--- a/MWM/R_cowen/Q1_Does_OVX_affect_MWM_performance.pptx
+++ b/MWM/R_cowen/Q1_Does_OVX_affect_MWM_performance.pptx
@@ -8,17 +8,20 @@
     <p:sldId id="256" r:id="rId2"/>
     <p:sldId id="260" r:id="rId3"/>
     <p:sldId id="262" r:id="rId4"/>
-    <p:sldId id="257" r:id="rId5"/>
-    <p:sldId id="258" r:id="rId6"/>
-    <p:sldId id="259" r:id="rId7"/>
-    <p:sldId id="263" r:id="rId8"/>
-    <p:sldId id="268" r:id="rId9"/>
-    <p:sldId id="269" r:id="rId10"/>
-    <p:sldId id="264" r:id="rId11"/>
-    <p:sldId id="270" r:id="rId12"/>
-    <p:sldId id="266" r:id="rId13"/>
-    <p:sldId id="265" r:id="rId14"/>
-    <p:sldId id="267" r:id="rId15"/>
+    <p:sldId id="271" r:id="rId5"/>
+    <p:sldId id="272" r:id="rId6"/>
+    <p:sldId id="273" r:id="rId7"/>
+    <p:sldId id="257" r:id="rId8"/>
+    <p:sldId id="258" r:id="rId9"/>
+    <p:sldId id="259" r:id="rId10"/>
+    <p:sldId id="263" r:id="rId11"/>
+    <p:sldId id="268" r:id="rId12"/>
+    <p:sldId id="269" r:id="rId13"/>
+    <p:sldId id="264" r:id="rId14"/>
+    <p:sldId id="270" r:id="rId15"/>
+    <p:sldId id="266" r:id="rId16"/>
+    <p:sldId id="265" r:id="rId17"/>
+    <p:sldId id="267" r:id="rId18"/>
   </p:sldIdLst>
   <p:sldSz cx="12192000" cy="6858000"/>
   <p:notesSz cx="6858000" cy="9144000"/>
@@ -129,6 +132,9 @@
           <p14:sldIdLst>
             <p14:sldId id="260"/>
             <p14:sldId id="262"/>
+            <p14:sldId id="271"/>
+            <p14:sldId id="272"/>
+            <p14:sldId id="273"/>
           </p14:sldIdLst>
         </p14:section>
         <p14:section name="F1 Sham Performance" id="{31F6667D-6E5E-4854-8FD5-CD59C4B1F6B4}">
@@ -164,6 +170,9 @@
         </p14:section>
       </p14:sectionLst>
     </p:ext>
+    <p:ext uri="{EFAFB233-063F-42B5-8137-9DF3F51BA10A}">
+      <p15:sldGuideLst xmlns:p15="http://schemas.microsoft.com/office/powerpoint/2012/main"/>
+    </p:ext>
   </p:extLst>
 </p:presentation>
 </file>
@@ -315,7 +324,7 @@
           <a:p>
             <a:fld id="{61DE641F-8AD3-4A50-883F-008F33A9F2CB}" type="datetimeFigureOut">
               <a:rPr lang="en-US" smtClean="0"/>
-              <a:t>3/2/2025</a:t>
+              <a:t>3/3/2025</a:t>
             </a:fld>
             <a:endParaRPr lang="en-US"/>
           </a:p>
@@ -513,7 +522,7 @@
           <a:p>
             <a:fld id="{61DE641F-8AD3-4A50-883F-008F33A9F2CB}" type="datetimeFigureOut">
               <a:rPr lang="en-US" smtClean="0"/>
-              <a:t>3/2/2025</a:t>
+              <a:t>3/3/2025</a:t>
             </a:fld>
             <a:endParaRPr lang="en-US"/>
           </a:p>
@@ -721,7 +730,7 @@
           <a:p>
             <a:fld id="{61DE641F-8AD3-4A50-883F-008F33A9F2CB}" type="datetimeFigureOut">
               <a:rPr lang="en-US" smtClean="0"/>
-              <a:t>3/2/2025</a:t>
+              <a:t>3/3/2025</a:t>
             </a:fld>
             <a:endParaRPr lang="en-US"/>
           </a:p>
@@ -919,7 +928,7 @@
           <a:p>
             <a:fld id="{61DE641F-8AD3-4A50-883F-008F33A9F2CB}" type="datetimeFigureOut">
               <a:rPr lang="en-US" smtClean="0"/>
-              <a:t>3/2/2025</a:t>
+              <a:t>3/3/2025</a:t>
             </a:fld>
             <a:endParaRPr lang="en-US"/>
           </a:p>
@@ -1194,7 +1203,7 @@
           <a:p>
             <a:fld id="{61DE641F-8AD3-4A50-883F-008F33A9F2CB}" type="datetimeFigureOut">
               <a:rPr lang="en-US" smtClean="0"/>
-              <a:t>3/2/2025</a:t>
+              <a:t>3/3/2025</a:t>
             </a:fld>
             <a:endParaRPr lang="en-US"/>
           </a:p>
@@ -1459,7 +1468,7 @@
           <a:p>
             <a:fld id="{61DE641F-8AD3-4A50-883F-008F33A9F2CB}" type="datetimeFigureOut">
               <a:rPr lang="en-US" smtClean="0"/>
-              <a:t>3/2/2025</a:t>
+              <a:t>3/3/2025</a:t>
             </a:fld>
             <a:endParaRPr lang="en-US"/>
           </a:p>
@@ -1871,7 +1880,7 @@
           <a:p>
             <a:fld id="{61DE641F-8AD3-4A50-883F-008F33A9F2CB}" type="datetimeFigureOut">
               <a:rPr lang="en-US" smtClean="0"/>
-              <a:t>3/2/2025</a:t>
+              <a:t>3/3/2025</a:t>
             </a:fld>
             <a:endParaRPr lang="en-US"/>
           </a:p>
@@ -2012,7 +2021,7 @@
           <a:p>
             <a:fld id="{61DE641F-8AD3-4A50-883F-008F33A9F2CB}" type="datetimeFigureOut">
               <a:rPr lang="en-US" smtClean="0"/>
-              <a:t>3/2/2025</a:t>
+              <a:t>3/3/2025</a:t>
             </a:fld>
             <a:endParaRPr lang="en-US"/>
           </a:p>
@@ -2125,7 +2134,7 @@
           <a:p>
             <a:fld id="{61DE641F-8AD3-4A50-883F-008F33A9F2CB}" type="datetimeFigureOut">
               <a:rPr lang="en-US" smtClean="0"/>
-              <a:t>3/2/2025</a:t>
+              <a:t>3/3/2025</a:t>
             </a:fld>
             <a:endParaRPr lang="en-US"/>
           </a:p>
@@ -2436,7 +2445,7 @@
           <a:p>
             <a:fld id="{61DE641F-8AD3-4A50-883F-008F33A9F2CB}" type="datetimeFigureOut">
               <a:rPr lang="en-US" smtClean="0"/>
-              <a:t>3/2/2025</a:t>
+              <a:t>3/3/2025</a:t>
             </a:fld>
             <a:endParaRPr lang="en-US"/>
           </a:p>
@@ -2724,7 +2733,7 @@
           <a:p>
             <a:fld id="{61DE641F-8AD3-4A50-883F-008F33A9F2CB}" type="datetimeFigureOut">
               <a:rPr lang="en-US" smtClean="0"/>
-              <a:t>3/2/2025</a:t>
+              <a:t>3/3/2025</a:t>
             </a:fld>
             <a:endParaRPr lang="en-US"/>
           </a:p>
@@ -2965,7 +2974,7 @@
           <a:p>
             <a:fld id="{61DE641F-8AD3-4A50-883F-008F33A9F2CB}" type="datetimeFigureOut">
               <a:rPr lang="en-US" smtClean="0"/>
-              <a:t>3/2/2025</a:t>
+              <a:t>3/3/2025</a:t>
             </a:fld>
             <a:endParaRPr lang="en-US"/>
           </a:p>
@@ -3478,6 +3487,270 @@
       </p:grpSpPr>
       <p:pic>
         <p:nvPicPr>
+          <p:cNvPr id="3" name="Picture 2">
+            <a:extLst>
+              <a:ext uri="{FF2B5EF4-FFF2-40B4-BE49-F238E27FC236}">
+                <a16:creationId xmlns:a16="http://schemas.microsoft.com/office/drawing/2014/main" id="{0A1E6747-8686-2CB4-D849-70CD21E3D572}"/>
+              </a:ext>
+            </a:extLst>
+          </p:cNvPr>
+          <p:cNvPicPr>
+            <a:picLocks noChangeAspect="1"/>
+          </p:cNvPicPr>
+          <p:nvPr/>
+        </p:nvPicPr>
+        <p:blipFill>
+          <a:blip r:embed="rId2"/>
+          <a:stretch>
+            <a:fillRect/>
+          </a:stretch>
+        </p:blipFill>
+        <p:spPr>
+          <a:xfrm>
+            <a:off x="1140820" y="0"/>
+            <a:ext cx="9910359" cy="6858000"/>
+          </a:xfrm>
+          <a:prstGeom prst="rect">
+            <a:avLst/>
+          </a:prstGeom>
+        </p:spPr>
+      </p:pic>
+    </p:spTree>
+    <p:extLst>
+      <p:ext uri="{BB962C8B-B14F-4D97-AF65-F5344CB8AC3E}">
+        <p14:creationId xmlns:p14="http://schemas.microsoft.com/office/powerpoint/2010/main" val="4292415877"/>
+      </p:ext>
+    </p:extLst>
+  </p:cSld>
+  <p:clrMapOvr>
+    <a:masterClrMapping/>
+  </p:clrMapOvr>
+</p:sld>
+</file>
+
+<file path=ppt/slides/slide11.xml><?xml version="1.0" encoding="utf-8"?>
+<p:sld xmlns:a="http://schemas.openxmlformats.org/drawingml/2006/main" xmlns:r="http://schemas.openxmlformats.org/officeDocument/2006/relationships" xmlns:p="http://schemas.openxmlformats.org/presentationml/2006/main">
+  <p:cSld>
+    <p:spTree>
+      <p:nvGrpSpPr>
+        <p:cNvPr id="1" name=""/>
+        <p:cNvGrpSpPr/>
+        <p:nvPr/>
+      </p:nvGrpSpPr>
+      <p:grpSpPr>
+        <a:xfrm>
+          <a:off x="0" y="0"/>
+          <a:ext cx="0" cy="0"/>
+          <a:chOff x="0" y="0"/>
+          <a:chExt cx="0" cy="0"/>
+        </a:xfrm>
+      </p:grpSpPr>
+      <p:sp>
+        <p:nvSpPr>
+          <p:cNvPr id="2" name="AutoShape 2">
+            <a:extLst>
+              <a:ext uri="{FF2B5EF4-FFF2-40B4-BE49-F238E27FC236}">
+                <a16:creationId xmlns:a16="http://schemas.microsoft.com/office/drawing/2014/main" id="{219848C2-2425-D16D-0EBB-C4A31E70A357}"/>
+              </a:ext>
+            </a:extLst>
+          </p:cNvPr>
+          <p:cNvSpPr>
+            <a:spLocks noChangeAspect="1" noChangeArrowheads="1"/>
+          </p:cNvSpPr>
+          <p:nvPr/>
+        </p:nvSpPr>
+        <p:spPr bwMode="auto">
+          <a:xfrm>
+            <a:off x="5943600" y="3276600"/>
+            <a:ext cx="304800" cy="304800"/>
+          </a:xfrm>
+          <a:prstGeom prst="rect">
+            <a:avLst/>
+          </a:prstGeom>
+          <a:noFill/>
+          <a:extLst>
+            <a:ext uri="{909E8E84-426E-40DD-AFC4-6F175D3DCCD1}">
+              <a14:hiddenFill xmlns:a14="http://schemas.microsoft.com/office/drawing/2010/main">
+                <a:solidFill>
+                  <a:srgbClr val="FFFFFF"/>
+                </a:solidFill>
+              </a14:hiddenFill>
+            </a:ext>
+          </a:extLst>
+        </p:spPr>
+        <p:txBody>
+          <a:bodyPr vert="horz" wrap="square" lIns="91440" tIns="45720" rIns="91440" bIns="45720" numCol="1" anchor="t" anchorCtr="0" compatLnSpc="1">
+            <a:prstTxWarp prst="textNoShape">
+              <a:avLst/>
+            </a:prstTxWarp>
+          </a:bodyPr>
+          <a:lstStyle/>
+          <a:p>
+            <a:endParaRPr lang="en-US"/>
+          </a:p>
+        </p:txBody>
+      </p:sp>
+      <p:pic>
+        <p:nvPicPr>
+          <p:cNvPr id="3" name="Picture 2">
+            <a:extLst>
+              <a:ext uri="{FF2B5EF4-FFF2-40B4-BE49-F238E27FC236}">
+                <a16:creationId xmlns:a16="http://schemas.microsoft.com/office/drawing/2014/main" id="{789F0607-846A-268B-E4F4-CD02CE7BA8F1}"/>
+              </a:ext>
+            </a:extLst>
+          </p:cNvPr>
+          <p:cNvPicPr>
+            <a:picLocks noChangeAspect="1"/>
+          </p:cNvPicPr>
+          <p:nvPr/>
+        </p:nvPicPr>
+        <p:blipFill>
+          <a:blip r:embed="rId2"/>
+          <a:stretch>
+            <a:fillRect/>
+          </a:stretch>
+        </p:blipFill>
+        <p:spPr>
+          <a:xfrm>
+            <a:off x="1140820" y="0"/>
+            <a:ext cx="9910359" cy="6858000"/>
+          </a:xfrm>
+          <a:prstGeom prst="rect">
+            <a:avLst/>
+          </a:prstGeom>
+        </p:spPr>
+      </p:pic>
+    </p:spTree>
+    <p:extLst>
+      <p:ext uri="{BB962C8B-B14F-4D97-AF65-F5344CB8AC3E}">
+        <p14:creationId xmlns:p14="http://schemas.microsoft.com/office/powerpoint/2010/main" val="561676582"/>
+      </p:ext>
+    </p:extLst>
+  </p:cSld>
+  <p:clrMapOvr>
+    <a:masterClrMapping/>
+  </p:clrMapOvr>
+</p:sld>
+</file>
+
+<file path=ppt/slides/slide12.xml><?xml version="1.0" encoding="utf-8"?>
+<p:sld xmlns:a="http://schemas.openxmlformats.org/drawingml/2006/main" xmlns:r="http://schemas.openxmlformats.org/officeDocument/2006/relationships" xmlns:p="http://schemas.openxmlformats.org/presentationml/2006/main">
+  <p:cSld>
+    <p:spTree>
+      <p:nvGrpSpPr>
+        <p:cNvPr id="1" name=""/>
+        <p:cNvGrpSpPr/>
+        <p:nvPr/>
+      </p:nvGrpSpPr>
+      <p:grpSpPr>
+        <a:xfrm>
+          <a:off x="0" y="0"/>
+          <a:ext cx="0" cy="0"/>
+          <a:chOff x="0" y="0"/>
+          <a:chExt cx="0" cy="0"/>
+        </a:xfrm>
+      </p:grpSpPr>
+      <p:pic>
+        <p:nvPicPr>
+          <p:cNvPr id="5" name="Picture 4">
+            <a:extLst>
+              <a:ext uri="{FF2B5EF4-FFF2-40B4-BE49-F238E27FC236}">
+                <a16:creationId xmlns:a16="http://schemas.microsoft.com/office/drawing/2014/main" id="{4B513379-AB50-4E7C-9A66-BB26D9290C37}"/>
+              </a:ext>
+            </a:extLst>
+          </p:cNvPr>
+          <p:cNvPicPr>
+            <a:picLocks noChangeAspect="1"/>
+          </p:cNvPicPr>
+          <p:nvPr/>
+        </p:nvPicPr>
+        <p:blipFill>
+          <a:blip r:embed="rId2"/>
+          <a:stretch>
+            <a:fillRect/>
+          </a:stretch>
+        </p:blipFill>
+        <p:spPr>
+          <a:xfrm>
+            <a:off x="2957183" y="0"/>
+            <a:ext cx="6163926" cy="6858000"/>
+          </a:xfrm>
+          <a:prstGeom prst="rect">
+            <a:avLst/>
+          </a:prstGeom>
+        </p:spPr>
+      </p:pic>
+      <p:sp>
+        <p:nvSpPr>
+          <p:cNvPr id="6" name="TextBox 5">
+            <a:extLst>
+              <a:ext uri="{FF2B5EF4-FFF2-40B4-BE49-F238E27FC236}">
+                <a16:creationId xmlns:a16="http://schemas.microsoft.com/office/drawing/2014/main" id="{C64F07B4-F8AE-4312-DE75-9241500C7A38}"/>
+              </a:ext>
+            </a:extLst>
+          </p:cNvPr>
+          <p:cNvSpPr txBox="1"/>
+          <p:nvPr/>
+        </p:nvSpPr>
+        <p:spPr>
+          <a:xfrm>
+            <a:off x="426404" y="1246048"/>
+            <a:ext cx="1412566" cy="369332"/>
+          </a:xfrm>
+          <a:prstGeom prst="rect">
+            <a:avLst/>
+          </a:prstGeom>
+          <a:noFill/>
+        </p:spPr>
+        <p:txBody>
+          <a:bodyPr wrap="none" rtlCol="0">
+            <a:spAutoFit/>
+          </a:bodyPr>
+          <a:lstStyle/>
+          <a:p>
+            <a:r>
+              <a:rPr lang="en-US" dirty="0" err="1"/>
+              <a:t>Garthe</a:t>
+            </a:r>
+            <a:r>
+              <a:rPr lang="en-US" dirty="0"/>
+              <a:t> 2009</a:t>
+            </a:r>
+          </a:p>
+        </p:txBody>
+      </p:sp>
+    </p:spTree>
+    <p:extLst>
+      <p:ext uri="{BB962C8B-B14F-4D97-AF65-F5344CB8AC3E}">
+        <p14:creationId xmlns:p14="http://schemas.microsoft.com/office/powerpoint/2010/main" val="205182300"/>
+      </p:ext>
+    </p:extLst>
+  </p:cSld>
+  <p:clrMapOvr>
+    <a:masterClrMapping/>
+  </p:clrMapOvr>
+</p:sld>
+</file>
+
+<file path=ppt/slides/slide13.xml><?xml version="1.0" encoding="utf-8"?>
+<p:sld xmlns:a="http://schemas.openxmlformats.org/drawingml/2006/main" xmlns:r="http://schemas.openxmlformats.org/officeDocument/2006/relationships" xmlns:p="http://schemas.openxmlformats.org/presentationml/2006/main">
+  <p:cSld>
+    <p:spTree>
+      <p:nvGrpSpPr>
+        <p:cNvPr id="1" name=""/>
+        <p:cNvGrpSpPr/>
+        <p:nvPr/>
+      </p:nvGrpSpPr>
+      <p:grpSpPr>
+        <a:xfrm>
+          <a:off x="0" y="0"/>
+          <a:ext cx="0" cy="0"/>
+          <a:chOff x="0" y="0"/>
+          <a:chExt cx="0" cy="0"/>
+        </a:xfrm>
+      </p:grpSpPr>
+      <p:pic>
+        <p:nvPicPr>
           <p:cNvPr id="2" name="Picture 1">
             <a:extLst>
               <a:ext uri="{FF2B5EF4-FFF2-40B4-BE49-F238E27FC236}">
@@ -3519,7 +3792,7 @@
 </p:sld>
 </file>
 
-<file path=ppt/slides/slide11.xml><?xml version="1.0" encoding="utf-8"?>
+<file path=ppt/slides/slide14.xml><?xml version="1.0" encoding="utf-8"?>
 <p:sld xmlns:a="http://schemas.openxmlformats.org/drawingml/2006/main" xmlns:r="http://schemas.openxmlformats.org/officeDocument/2006/relationships" xmlns:p="http://schemas.openxmlformats.org/presentationml/2006/main">
   <p:cSld>
     <p:spTree>
@@ -3624,7 +3897,7 @@
 </p:sld>
 </file>
 
-<file path=ppt/slides/slide12.xml><?xml version="1.0" encoding="utf-8"?>
+<file path=ppt/slides/slide15.xml><?xml version="1.0" encoding="utf-8"?>
 <p:sld xmlns:a="http://schemas.openxmlformats.org/drawingml/2006/main" xmlns:r="http://schemas.openxmlformats.org/officeDocument/2006/relationships" xmlns:p="http://schemas.openxmlformats.org/presentationml/2006/main">
   <p:cSld>
     <p:spTree>
@@ -3729,7 +4002,7 @@
 </p:sld>
 </file>
 
-<file path=ppt/slides/slide13.xml><?xml version="1.0" encoding="utf-8"?>
+<file path=ppt/slides/slide16.xml><?xml version="1.0" encoding="utf-8"?>
 <p:sld xmlns:a="http://schemas.openxmlformats.org/drawingml/2006/main" xmlns:r="http://schemas.openxmlformats.org/officeDocument/2006/relationships" xmlns:p="http://schemas.openxmlformats.org/presentationml/2006/main">
   <p:cSld>
     <p:spTree>
@@ -3834,7 +4107,7 @@
 </p:sld>
 </file>
 
-<file path=ppt/slides/slide14.xml><?xml version="1.0" encoding="utf-8"?>
+<file path=ppt/slides/slide17.xml><?xml version="1.0" encoding="utf-8"?>
 <p:sld xmlns:a="http://schemas.openxmlformats.org/drawingml/2006/main" xmlns:r="http://schemas.openxmlformats.org/officeDocument/2006/relationships" xmlns:p="http://schemas.openxmlformats.org/presentationml/2006/main">
   <p:cSld>
     <p:spTree>
@@ -4166,6 +4439,402 @@
           <a:chExt cx="0" cy="0"/>
         </a:xfrm>
       </p:grpSpPr>
+      <p:sp>
+        <p:nvSpPr>
+          <p:cNvPr id="2" name="AutoShape 2">
+            <a:extLst>
+              <a:ext uri="{FF2B5EF4-FFF2-40B4-BE49-F238E27FC236}">
+                <a16:creationId xmlns:a16="http://schemas.microsoft.com/office/drawing/2014/main" id="{B14297DB-9B74-56BD-D632-F6AA0E82545F}"/>
+              </a:ext>
+            </a:extLst>
+          </p:cNvPr>
+          <p:cNvSpPr>
+            <a:spLocks noChangeAspect="1" noChangeArrowheads="1"/>
+          </p:cNvSpPr>
+          <p:nvPr/>
+        </p:nvSpPr>
+        <p:spPr bwMode="auto">
+          <a:xfrm>
+            <a:off x="5943600" y="3276600"/>
+            <a:ext cx="304800" cy="304800"/>
+          </a:xfrm>
+          <a:prstGeom prst="rect">
+            <a:avLst/>
+          </a:prstGeom>
+          <a:noFill/>
+          <a:extLst>
+            <a:ext uri="{909E8E84-426E-40DD-AFC4-6F175D3DCCD1}">
+              <a14:hiddenFill xmlns:a14="http://schemas.microsoft.com/office/drawing/2010/main">
+                <a:solidFill>
+                  <a:srgbClr val="FFFFFF"/>
+                </a:solidFill>
+              </a14:hiddenFill>
+            </a:ext>
+          </a:extLst>
+        </p:spPr>
+        <p:txBody>
+          <a:bodyPr vert="horz" wrap="square" lIns="91440" tIns="45720" rIns="91440" bIns="45720" numCol="1" anchor="t" anchorCtr="0" compatLnSpc="1">
+            <a:prstTxWarp prst="textNoShape">
+              <a:avLst/>
+            </a:prstTxWarp>
+          </a:bodyPr>
+          <a:lstStyle/>
+          <a:p>
+            <a:endParaRPr lang="en-US"/>
+          </a:p>
+        </p:txBody>
+      </p:sp>
+      <p:pic>
+        <p:nvPicPr>
+          <p:cNvPr id="3" name="Picture 2">
+            <a:extLst>
+              <a:ext uri="{FF2B5EF4-FFF2-40B4-BE49-F238E27FC236}">
+                <a16:creationId xmlns:a16="http://schemas.microsoft.com/office/drawing/2014/main" id="{D5671122-20CA-7C85-AD2B-3557279AB503}"/>
+              </a:ext>
+            </a:extLst>
+          </p:cNvPr>
+          <p:cNvPicPr>
+            <a:picLocks noChangeAspect="1"/>
+          </p:cNvPicPr>
+          <p:nvPr/>
+        </p:nvPicPr>
+        <p:blipFill>
+          <a:blip r:embed="rId2"/>
+          <a:stretch>
+            <a:fillRect/>
+          </a:stretch>
+        </p:blipFill>
+        <p:spPr>
+          <a:xfrm>
+            <a:off x="2920706" y="0"/>
+            <a:ext cx="6350587" cy="6858000"/>
+          </a:xfrm>
+          <a:prstGeom prst="rect">
+            <a:avLst/>
+          </a:prstGeom>
+        </p:spPr>
+      </p:pic>
+      <p:sp>
+        <p:nvSpPr>
+          <p:cNvPr id="4" name="TextBox 3">
+            <a:extLst>
+              <a:ext uri="{FF2B5EF4-FFF2-40B4-BE49-F238E27FC236}">
+                <a16:creationId xmlns:a16="http://schemas.microsoft.com/office/drawing/2014/main" id="{51BEB78A-1126-3E7B-C41E-1F5899A0C588}"/>
+              </a:ext>
+            </a:extLst>
+          </p:cNvPr>
+          <p:cNvSpPr txBox="1"/>
+          <p:nvPr/>
+        </p:nvSpPr>
+        <p:spPr>
+          <a:xfrm>
+            <a:off x="270056" y="1449773"/>
+            <a:ext cx="2511047" cy="923330"/>
+          </a:xfrm>
+          <a:prstGeom prst="rect">
+            <a:avLst/>
+          </a:prstGeom>
+          <a:noFill/>
+        </p:spPr>
+        <p:txBody>
+          <a:bodyPr wrap="square" rtlCol="0">
+            <a:spAutoFit/>
+          </a:bodyPr>
+          <a:lstStyle/>
+          <a:p>
+            <a:r>
+              <a:rPr lang="en-US" dirty="0"/>
+              <a:t>Trial 1 reflects the carryover from the previous day.</a:t>
+            </a:r>
+          </a:p>
+        </p:txBody>
+      </p:sp>
+    </p:spTree>
+    <p:extLst>
+      <p:ext uri="{BB962C8B-B14F-4D97-AF65-F5344CB8AC3E}">
+        <p14:creationId xmlns:p14="http://schemas.microsoft.com/office/powerpoint/2010/main" val="3457624242"/>
+      </p:ext>
+    </p:extLst>
+  </p:cSld>
+  <p:clrMapOvr>
+    <a:masterClrMapping/>
+  </p:clrMapOvr>
+</p:sld>
+</file>
+
+<file path=ppt/slides/slide5.xml><?xml version="1.0" encoding="utf-8"?>
+<p:sld xmlns:a="http://schemas.openxmlformats.org/drawingml/2006/main" xmlns:r="http://schemas.openxmlformats.org/officeDocument/2006/relationships" xmlns:p="http://schemas.openxmlformats.org/presentationml/2006/main">
+  <p:cSld>
+    <p:spTree>
+      <p:nvGrpSpPr>
+        <p:cNvPr id="1" name=""/>
+        <p:cNvGrpSpPr/>
+        <p:nvPr/>
+      </p:nvGrpSpPr>
+      <p:grpSpPr>
+        <a:xfrm>
+          <a:off x="0" y="0"/>
+          <a:ext cx="0" cy="0"/>
+          <a:chOff x="0" y="0"/>
+          <a:chExt cx="0" cy="0"/>
+        </a:xfrm>
+      </p:grpSpPr>
+      <p:sp>
+        <p:nvSpPr>
+          <p:cNvPr id="2" name="AutoShape 2">
+            <a:extLst>
+              <a:ext uri="{FF2B5EF4-FFF2-40B4-BE49-F238E27FC236}">
+                <a16:creationId xmlns:a16="http://schemas.microsoft.com/office/drawing/2014/main" id="{FEA894EE-E376-BA28-B0B8-A83031EE30E4}"/>
+              </a:ext>
+            </a:extLst>
+          </p:cNvPr>
+          <p:cNvSpPr>
+            <a:spLocks noChangeAspect="1" noChangeArrowheads="1"/>
+          </p:cNvSpPr>
+          <p:nvPr/>
+        </p:nvSpPr>
+        <p:spPr bwMode="auto">
+          <a:xfrm>
+            <a:off x="5943600" y="3276600"/>
+            <a:ext cx="304800" cy="304800"/>
+          </a:xfrm>
+          <a:prstGeom prst="rect">
+            <a:avLst/>
+          </a:prstGeom>
+          <a:noFill/>
+          <a:extLst>
+            <a:ext uri="{909E8E84-426E-40DD-AFC4-6F175D3DCCD1}">
+              <a14:hiddenFill xmlns:a14="http://schemas.microsoft.com/office/drawing/2010/main">
+                <a:solidFill>
+                  <a:srgbClr val="FFFFFF"/>
+                </a:solidFill>
+              </a14:hiddenFill>
+            </a:ext>
+          </a:extLst>
+        </p:spPr>
+        <p:txBody>
+          <a:bodyPr vert="horz" wrap="square" lIns="91440" tIns="45720" rIns="91440" bIns="45720" numCol="1" anchor="t" anchorCtr="0" compatLnSpc="1">
+            <a:prstTxWarp prst="textNoShape">
+              <a:avLst/>
+            </a:prstTxWarp>
+          </a:bodyPr>
+          <a:lstStyle/>
+          <a:p>
+            <a:endParaRPr lang="en-US"/>
+          </a:p>
+        </p:txBody>
+      </p:sp>
+      <p:pic>
+        <p:nvPicPr>
+          <p:cNvPr id="3" name="Picture 2">
+            <a:extLst>
+              <a:ext uri="{FF2B5EF4-FFF2-40B4-BE49-F238E27FC236}">
+                <a16:creationId xmlns:a16="http://schemas.microsoft.com/office/drawing/2014/main" id="{A2E8046B-467A-6F71-BE46-D2366744BA9D}"/>
+              </a:ext>
+            </a:extLst>
+          </p:cNvPr>
+          <p:cNvPicPr>
+            <a:picLocks noChangeAspect="1"/>
+          </p:cNvPicPr>
+          <p:nvPr/>
+        </p:nvPicPr>
+        <p:blipFill>
+          <a:blip r:embed="rId2"/>
+          <a:stretch>
+            <a:fillRect/>
+          </a:stretch>
+        </p:blipFill>
+        <p:spPr>
+          <a:xfrm>
+            <a:off x="896389" y="0"/>
+            <a:ext cx="10399222" cy="6858000"/>
+          </a:xfrm>
+          <a:prstGeom prst="rect">
+            <a:avLst/>
+          </a:prstGeom>
+        </p:spPr>
+      </p:pic>
+    </p:spTree>
+    <p:extLst>
+      <p:ext uri="{BB962C8B-B14F-4D97-AF65-F5344CB8AC3E}">
+        <p14:creationId xmlns:p14="http://schemas.microsoft.com/office/powerpoint/2010/main" val="410955950"/>
+      </p:ext>
+    </p:extLst>
+  </p:cSld>
+  <p:clrMapOvr>
+    <a:masterClrMapping/>
+  </p:clrMapOvr>
+</p:sld>
+</file>
+
+<file path=ppt/slides/slide6.xml><?xml version="1.0" encoding="utf-8"?>
+<p:sld xmlns:a="http://schemas.openxmlformats.org/drawingml/2006/main" xmlns:r="http://schemas.openxmlformats.org/officeDocument/2006/relationships" xmlns:p="http://schemas.openxmlformats.org/presentationml/2006/main">
+  <p:cSld>
+    <p:spTree>
+      <p:nvGrpSpPr>
+        <p:cNvPr id="1" name=""/>
+        <p:cNvGrpSpPr/>
+        <p:nvPr/>
+      </p:nvGrpSpPr>
+      <p:grpSpPr>
+        <a:xfrm>
+          <a:off x="0" y="0"/>
+          <a:ext cx="0" cy="0"/>
+          <a:chOff x="0" y="0"/>
+          <a:chExt cx="0" cy="0"/>
+        </a:xfrm>
+      </p:grpSpPr>
+      <p:sp>
+        <p:nvSpPr>
+          <p:cNvPr id="2" name="AutoShape 2">
+            <a:extLst>
+              <a:ext uri="{FF2B5EF4-FFF2-40B4-BE49-F238E27FC236}">
+                <a16:creationId xmlns:a16="http://schemas.microsoft.com/office/drawing/2014/main" id="{979D6AB8-71CA-B75F-431F-5AD716A38EA3}"/>
+              </a:ext>
+            </a:extLst>
+          </p:cNvPr>
+          <p:cNvSpPr>
+            <a:spLocks noChangeAspect="1" noChangeArrowheads="1"/>
+          </p:cNvSpPr>
+          <p:nvPr/>
+        </p:nvSpPr>
+        <p:spPr bwMode="auto">
+          <a:xfrm>
+            <a:off x="5943600" y="3276600"/>
+            <a:ext cx="304800" cy="304800"/>
+          </a:xfrm>
+          <a:prstGeom prst="rect">
+            <a:avLst/>
+          </a:prstGeom>
+          <a:noFill/>
+          <a:extLst>
+            <a:ext uri="{909E8E84-426E-40DD-AFC4-6F175D3DCCD1}">
+              <a14:hiddenFill xmlns:a14="http://schemas.microsoft.com/office/drawing/2010/main">
+                <a:solidFill>
+                  <a:srgbClr val="FFFFFF"/>
+                </a:solidFill>
+              </a14:hiddenFill>
+            </a:ext>
+          </a:extLst>
+        </p:spPr>
+        <p:txBody>
+          <a:bodyPr vert="horz" wrap="square" lIns="91440" tIns="45720" rIns="91440" bIns="45720" numCol="1" anchor="t" anchorCtr="0" compatLnSpc="1">
+            <a:prstTxWarp prst="textNoShape">
+              <a:avLst/>
+            </a:prstTxWarp>
+          </a:bodyPr>
+          <a:lstStyle/>
+          <a:p>
+            <a:endParaRPr lang="en-US"/>
+          </a:p>
+        </p:txBody>
+      </p:sp>
+      <p:pic>
+        <p:nvPicPr>
+          <p:cNvPr id="3" name="Picture 2">
+            <a:extLst>
+              <a:ext uri="{FF2B5EF4-FFF2-40B4-BE49-F238E27FC236}">
+                <a16:creationId xmlns:a16="http://schemas.microsoft.com/office/drawing/2014/main" id="{B3C92D9A-412B-EC97-E51C-001C1BE9540C}"/>
+              </a:ext>
+            </a:extLst>
+          </p:cNvPr>
+          <p:cNvPicPr>
+            <a:picLocks noChangeAspect="1"/>
+          </p:cNvPicPr>
+          <p:nvPr/>
+        </p:nvPicPr>
+        <p:blipFill>
+          <a:blip r:embed="rId2"/>
+          <a:stretch>
+            <a:fillRect/>
+          </a:stretch>
+        </p:blipFill>
+        <p:spPr>
+          <a:xfrm>
+            <a:off x="2141966" y="1569060"/>
+            <a:ext cx="7603267" cy="5014145"/>
+          </a:xfrm>
+          <a:prstGeom prst="rect">
+            <a:avLst/>
+          </a:prstGeom>
+        </p:spPr>
+      </p:pic>
+      <p:sp>
+        <p:nvSpPr>
+          <p:cNvPr id="4" name="TextBox 3">
+            <a:extLst>
+              <a:ext uri="{FF2B5EF4-FFF2-40B4-BE49-F238E27FC236}">
+                <a16:creationId xmlns:a16="http://schemas.microsoft.com/office/drawing/2014/main" id="{C17D6F31-1FFE-3C1C-2CE9-12DFE97055E4}"/>
+              </a:ext>
+            </a:extLst>
+          </p:cNvPr>
+          <p:cNvSpPr txBox="1"/>
+          <p:nvPr/>
+        </p:nvSpPr>
+        <p:spPr>
+          <a:xfrm>
+            <a:off x="3169604" y="492734"/>
+            <a:ext cx="5654048" cy="646331"/>
+          </a:xfrm>
+          <a:prstGeom prst="rect">
+            <a:avLst/>
+          </a:prstGeom>
+          <a:noFill/>
+        </p:spPr>
+        <p:txBody>
+          <a:bodyPr wrap="none" rtlCol="0">
+            <a:spAutoFit/>
+          </a:bodyPr>
+          <a:lstStyle/>
+          <a:p>
+            <a:r>
+              <a:rPr lang="en-US" dirty="0"/>
+              <a:t>Time in the SOUTH quadrant minus time in the NORTH .</a:t>
+            </a:r>
+          </a:p>
+          <a:p>
+            <a:r>
+              <a:rPr lang="en-US" dirty="0"/>
+              <a:t>Nice effect on day 9 across training</a:t>
+            </a:r>
+            <a:r>
+              <a:rPr lang="en-US"/>
+              <a:t>. </a:t>
+            </a:r>
+            <a:endParaRPr lang="en-US" dirty="0"/>
+          </a:p>
+        </p:txBody>
+      </p:sp>
+    </p:spTree>
+    <p:extLst>
+      <p:ext uri="{BB962C8B-B14F-4D97-AF65-F5344CB8AC3E}">
+        <p14:creationId xmlns:p14="http://schemas.microsoft.com/office/powerpoint/2010/main" val="1761288616"/>
+      </p:ext>
+    </p:extLst>
+  </p:cSld>
+  <p:clrMapOvr>
+    <a:masterClrMapping/>
+  </p:clrMapOvr>
+</p:sld>
+</file>
+
+<file path=ppt/slides/slide7.xml><?xml version="1.0" encoding="utf-8"?>
+<p:sld xmlns:a="http://schemas.openxmlformats.org/drawingml/2006/main" xmlns:r="http://schemas.openxmlformats.org/officeDocument/2006/relationships" xmlns:p="http://schemas.openxmlformats.org/presentationml/2006/main">
+  <p:cSld>
+    <p:spTree>
+      <p:nvGrpSpPr>
+        <p:cNvPr id="1" name=""/>
+        <p:cNvGrpSpPr/>
+        <p:nvPr/>
+      </p:nvGrpSpPr>
+      <p:grpSpPr>
+        <a:xfrm>
+          <a:off x="0" y="0"/>
+          <a:ext cx="0" cy="0"/>
+          <a:chOff x="0" y="0"/>
+          <a:chExt cx="0" cy="0"/>
+        </a:xfrm>
+      </p:grpSpPr>
       <p:pic>
         <p:nvPicPr>
           <p:cNvPr id="301" name="Graphic 300">
@@ -4215,7 +4884,7 @@
 </p:sld>
 </file>
 
-<file path=ppt/slides/slide5.xml><?xml version="1.0" encoding="utf-8"?>
+<file path=ppt/slides/slide8.xml><?xml version="1.0" encoding="utf-8"?>
 <p:sld xmlns:a="http://schemas.openxmlformats.org/drawingml/2006/main" xmlns:r="http://schemas.openxmlformats.org/officeDocument/2006/relationships" xmlns:p="http://schemas.openxmlformats.org/presentationml/2006/main">
   <p:cSld>
     <p:spTree>
@@ -4275,7 +4944,7 @@
 </p:sld>
 </file>
 
-<file path=ppt/slides/slide6.xml><?xml version="1.0" encoding="utf-8"?>
+<file path=ppt/slides/slide9.xml><?xml version="1.0" encoding="utf-8"?>
 <p:sld xmlns:a="http://schemas.openxmlformats.org/drawingml/2006/main" xmlns:r="http://schemas.openxmlformats.org/officeDocument/2006/relationships" xmlns:p="http://schemas.openxmlformats.org/presentationml/2006/main">
   <p:cSld>
     <p:spTree>
@@ -4361,201 +5030,6 @@
     <p:extLst>
       <p:ext uri="{BB962C8B-B14F-4D97-AF65-F5344CB8AC3E}">
         <p14:creationId xmlns:p14="http://schemas.microsoft.com/office/powerpoint/2010/main" val="540378374"/>
-      </p:ext>
-    </p:extLst>
-  </p:cSld>
-  <p:clrMapOvr>
-    <a:masterClrMapping/>
-  </p:clrMapOvr>
-</p:sld>
-</file>
-
-<file path=ppt/slides/slide7.xml><?xml version="1.0" encoding="utf-8"?>
-<p:sld xmlns:a="http://schemas.openxmlformats.org/drawingml/2006/main" xmlns:r="http://schemas.openxmlformats.org/officeDocument/2006/relationships" xmlns:p="http://schemas.openxmlformats.org/presentationml/2006/main">
-  <p:cSld>
-    <p:spTree>
-      <p:nvGrpSpPr>
-        <p:cNvPr id="1" name=""/>
-        <p:cNvGrpSpPr/>
-        <p:nvPr/>
-      </p:nvGrpSpPr>
-      <p:grpSpPr>
-        <a:xfrm>
-          <a:off x="0" y="0"/>
-          <a:ext cx="0" cy="0"/>
-          <a:chOff x="0" y="0"/>
-          <a:chExt cx="0" cy="0"/>
-        </a:xfrm>
-      </p:grpSpPr>
-      <p:pic>
-        <p:nvPicPr>
-          <p:cNvPr id="3" name="Picture 2">
-            <a:extLst>
-              <a:ext uri="{FF2B5EF4-FFF2-40B4-BE49-F238E27FC236}">
-                <a16:creationId xmlns:a16="http://schemas.microsoft.com/office/drawing/2014/main" id="{0A1E6747-8686-2CB4-D849-70CD21E3D572}"/>
-              </a:ext>
-            </a:extLst>
-          </p:cNvPr>
-          <p:cNvPicPr>
-            <a:picLocks noChangeAspect="1"/>
-          </p:cNvPicPr>
-          <p:nvPr/>
-        </p:nvPicPr>
-        <p:blipFill>
-          <a:blip r:embed="rId2"/>
-          <a:stretch>
-            <a:fillRect/>
-          </a:stretch>
-        </p:blipFill>
-        <p:spPr>
-          <a:xfrm>
-            <a:off x="1140820" y="0"/>
-            <a:ext cx="9910359" cy="6858000"/>
-          </a:xfrm>
-          <a:prstGeom prst="rect">
-            <a:avLst/>
-          </a:prstGeom>
-        </p:spPr>
-      </p:pic>
-    </p:spTree>
-    <p:extLst>
-      <p:ext uri="{BB962C8B-B14F-4D97-AF65-F5344CB8AC3E}">
-        <p14:creationId xmlns:p14="http://schemas.microsoft.com/office/powerpoint/2010/main" val="4292415877"/>
-      </p:ext>
-    </p:extLst>
-  </p:cSld>
-  <p:clrMapOvr>
-    <a:masterClrMapping/>
-  </p:clrMapOvr>
-</p:sld>
-</file>
-
-<file path=ppt/slides/slide8.xml><?xml version="1.0" encoding="utf-8"?>
-<p:sld xmlns:a="http://schemas.openxmlformats.org/drawingml/2006/main" xmlns:r="http://schemas.openxmlformats.org/officeDocument/2006/relationships" xmlns:p="http://schemas.openxmlformats.org/presentationml/2006/main">
-  <p:cSld>
-    <p:spTree>
-      <p:nvGrpSpPr>
-        <p:cNvPr id="1" name=""/>
-        <p:cNvGrpSpPr/>
-        <p:nvPr/>
-      </p:nvGrpSpPr>
-      <p:grpSpPr>
-        <a:xfrm>
-          <a:off x="0" y="0"/>
-          <a:ext cx="0" cy="0"/>
-          <a:chOff x="0" y="0"/>
-          <a:chExt cx="0" cy="0"/>
-        </a:xfrm>
-      </p:grpSpPr>
-      <p:sp>
-        <p:nvSpPr>
-          <p:cNvPr id="2" name="AutoShape 2">
-            <a:extLst>
-              <a:ext uri="{FF2B5EF4-FFF2-40B4-BE49-F238E27FC236}">
-                <a16:creationId xmlns:a16="http://schemas.microsoft.com/office/drawing/2014/main" id="{219848C2-2425-D16D-0EBB-C4A31E70A357}"/>
-              </a:ext>
-            </a:extLst>
-          </p:cNvPr>
-          <p:cNvSpPr>
-            <a:spLocks noChangeAspect="1" noChangeArrowheads="1"/>
-          </p:cNvSpPr>
-          <p:nvPr/>
-        </p:nvSpPr>
-        <p:spPr bwMode="auto">
-          <a:xfrm>
-            <a:off x="5943600" y="3276600"/>
-            <a:ext cx="304800" cy="304800"/>
-          </a:xfrm>
-          <a:prstGeom prst="rect">
-            <a:avLst/>
-          </a:prstGeom>
-          <a:noFill/>
-          <a:extLst>
-            <a:ext uri="{909E8E84-426E-40DD-AFC4-6F175D3DCCD1}">
-              <a14:hiddenFill xmlns:a14="http://schemas.microsoft.com/office/drawing/2010/main">
-                <a:solidFill>
-                  <a:srgbClr val="FFFFFF"/>
-                </a:solidFill>
-              </a14:hiddenFill>
-            </a:ext>
-          </a:extLst>
-        </p:spPr>
-        <p:txBody>
-          <a:bodyPr vert="horz" wrap="square" lIns="91440" tIns="45720" rIns="91440" bIns="45720" numCol="1" anchor="t" anchorCtr="0" compatLnSpc="1">
-            <a:prstTxWarp prst="textNoShape">
-              <a:avLst/>
-            </a:prstTxWarp>
-          </a:bodyPr>
-          <a:lstStyle/>
-          <a:p>
-            <a:endParaRPr lang="en-US"/>
-          </a:p>
-        </p:txBody>
-      </p:sp>
-      <p:pic>
-        <p:nvPicPr>
-          <p:cNvPr id="3" name="Picture 2">
-            <a:extLst>
-              <a:ext uri="{FF2B5EF4-FFF2-40B4-BE49-F238E27FC236}">
-                <a16:creationId xmlns:a16="http://schemas.microsoft.com/office/drawing/2014/main" id="{789F0607-846A-268B-E4F4-CD02CE7BA8F1}"/>
-              </a:ext>
-            </a:extLst>
-          </p:cNvPr>
-          <p:cNvPicPr>
-            <a:picLocks noChangeAspect="1"/>
-          </p:cNvPicPr>
-          <p:nvPr/>
-        </p:nvPicPr>
-        <p:blipFill>
-          <a:blip r:embed="rId2"/>
-          <a:stretch>
-            <a:fillRect/>
-          </a:stretch>
-        </p:blipFill>
-        <p:spPr>
-          <a:xfrm>
-            <a:off x="1140820" y="0"/>
-            <a:ext cx="9910359" cy="6858000"/>
-          </a:xfrm>
-          <a:prstGeom prst="rect">
-            <a:avLst/>
-          </a:prstGeom>
-        </p:spPr>
-      </p:pic>
-    </p:spTree>
-    <p:extLst>
-      <p:ext uri="{BB962C8B-B14F-4D97-AF65-F5344CB8AC3E}">
-        <p14:creationId xmlns:p14="http://schemas.microsoft.com/office/powerpoint/2010/main" val="561676582"/>
-      </p:ext>
-    </p:extLst>
-  </p:cSld>
-  <p:clrMapOvr>
-    <a:masterClrMapping/>
-  </p:clrMapOvr>
-</p:sld>
-</file>
-
-<file path=ppt/slides/slide9.xml><?xml version="1.0" encoding="utf-8"?>
-<p:sld xmlns:a="http://schemas.openxmlformats.org/drawingml/2006/main" xmlns:r="http://schemas.openxmlformats.org/officeDocument/2006/relationships" xmlns:p="http://schemas.openxmlformats.org/presentationml/2006/main">
-  <p:cSld>
-    <p:spTree>
-      <p:nvGrpSpPr>
-        <p:cNvPr id="1" name=""/>
-        <p:cNvGrpSpPr/>
-        <p:nvPr/>
-      </p:nvGrpSpPr>
-      <p:grpSpPr>
-        <a:xfrm>
-          <a:off x="0" y="0"/>
-          <a:ext cx="0" cy="0"/>
-          <a:chOff x="0" y="0"/>
-          <a:chExt cx="0" cy="0"/>
-        </a:xfrm>
-      </p:grpSpPr>
-    </p:spTree>
-    <p:extLst>
-      <p:ext uri="{BB962C8B-B14F-4D97-AF65-F5344CB8AC3E}">
-        <p14:creationId xmlns:p14="http://schemas.microsoft.com/office/powerpoint/2010/main" val="205182300"/>
       </p:ext>
     </p:extLst>
   </p:cSld>

--- a/MWM/R_cowen/Q1_Does_OVX_affect_MWM_performance.pptx
+++ b/MWM/R_cowen/Q1_Does_OVX_affect_MWM_performance.pptx
@@ -11,17 +11,21 @@
     <p:sldId id="271" r:id="rId5"/>
     <p:sldId id="272" r:id="rId6"/>
     <p:sldId id="273" r:id="rId7"/>
-    <p:sldId id="257" r:id="rId8"/>
-    <p:sldId id="258" r:id="rId9"/>
-    <p:sldId id="259" r:id="rId10"/>
-    <p:sldId id="263" r:id="rId11"/>
-    <p:sldId id="268" r:id="rId12"/>
-    <p:sldId id="269" r:id="rId13"/>
-    <p:sldId id="264" r:id="rId14"/>
-    <p:sldId id="270" r:id="rId15"/>
-    <p:sldId id="266" r:id="rId16"/>
-    <p:sldId id="265" r:id="rId17"/>
-    <p:sldId id="267" r:id="rId18"/>
+    <p:sldId id="276" r:id="rId8"/>
+    <p:sldId id="275" r:id="rId9"/>
+    <p:sldId id="274" r:id="rId10"/>
+    <p:sldId id="277" r:id="rId11"/>
+    <p:sldId id="257" r:id="rId12"/>
+    <p:sldId id="258" r:id="rId13"/>
+    <p:sldId id="259" r:id="rId14"/>
+    <p:sldId id="263" r:id="rId15"/>
+    <p:sldId id="268" r:id="rId16"/>
+    <p:sldId id="269" r:id="rId17"/>
+    <p:sldId id="264" r:id="rId18"/>
+    <p:sldId id="270" r:id="rId19"/>
+    <p:sldId id="266" r:id="rId20"/>
+    <p:sldId id="265" r:id="rId21"/>
+    <p:sldId id="267" r:id="rId22"/>
   </p:sldIdLst>
   <p:sldSz cx="12192000" cy="6858000"/>
   <p:notesSz cx="6858000" cy="9144000"/>
@@ -137,6 +141,14 @@
             <p14:sldId id="273"/>
           </p14:sldIdLst>
         </p14:section>
+        <p14:section name="Strategy Use: allo vs. escape" id="{ED4DD87D-9304-4CB1-ADB2-9B1830E72F8B}">
+          <p14:sldIdLst>
+            <p14:sldId id="276"/>
+            <p14:sldId id="275"/>
+            <p14:sldId id="274"/>
+            <p14:sldId id="277"/>
+          </p14:sldIdLst>
+        </p14:section>
         <p14:section name="F1 Sham Performance" id="{31F6667D-6E5E-4854-8FD5-CD59C4B1F6B4}">
           <p14:sldIdLst>
             <p14:sldId id="257"/>
@@ -324,7 +336,7 @@
           <a:p>
             <a:fld id="{61DE641F-8AD3-4A50-883F-008F33A9F2CB}" type="datetimeFigureOut">
               <a:rPr lang="en-US" smtClean="0"/>
-              <a:t>3/3/2025</a:t>
+              <a:t>3/4/2025</a:t>
             </a:fld>
             <a:endParaRPr lang="en-US"/>
           </a:p>
@@ -522,7 +534,7 @@
           <a:p>
             <a:fld id="{61DE641F-8AD3-4A50-883F-008F33A9F2CB}" type="datetimeFigureOut">
               <a:rPr lang="en-US" smtClean="0"/>
-              <a:t>3/3/2025</a:t>
+              <a:t>3/4/2025</a:t>
             </a:fld>
             <a:endParaRPr lang="en-US"/>
           </a:p>
@@ -730,7 +742,7 @@
           <a:p>
             <a:fld id="{61DE641F-8AD3-4A50-883F-008F33A9F2CB}" type="datetimeFigureOut">
               <a:rPr lang="en-US" smtClean="0"/>
-              <a:t>3/3/2025</a:t>
+              <a:t>3/4/2025</a:t>
             </a:fld>
             <a:endParaRPr lang="en-US"/>
           </a:p>
@@ -928,7 +940,7 @@
           <a:p>
             <a:fld id="{61DE641F-8AD3-4A50-883F-008F33A9F2CB}" type="datetimeFigureOut">
               <a:rPr lang="en-US" smtClean="0"/>
-              <a:t>3/3/2025</a:t>
+              <a:t>3/4/2025</a:t>
             </a:fld>
             <a:endParaRPr lang="en-US"/>
           </a:p>
@@ -1203,7 +1215,7 @@
           <a:p>
             <a:fld id="{61DE641F-8AD3-4A50-883F-008F33A9F2CB}" type="datetimeFigureOut">
               <a:rPr lang="en-US" smtClean="0"/>
-              <a:t>3/3/2025</a:t>
+              <a:t>3/4/2025</a:t>
             </a:fld>
             <a:endParaRPr lang="en-US"/>
           </a:p>
@@ -1468,7 +1480,7 @@
           <a:p>
             <a:fld id="{61DE641F-8AD3-4A50-883F-008F33A9F2CB}" type="datetimeFigureOut">
               <a:rPr lang="en-US" smtClean="0"/>
-              <a:t>3/3/2025</a:t>
+              <a:t>3/4/2025</a:t>
             </a:fld>
             <a:endParaRPr lang="en-US"/>
           </a:p>
@@ -1880,7 +1892,7 @@
           <a:p>
             <a:fld id="{61DE641F-8AD3-4A50-883F-008F33A9F2CB}" type="datetimeFigureOut">
               <a:rPr lang="en-US" smtClean="0"/>
-              <a:t>3/3/2025</a:t>
+              <a:t>3/4/2025</a:t>
             </a:fld>
             <a:endParaRPr lang="en-US"/>
           </a:p>
@@ -2021,7 +2033,7 @@
           <a:p>
             <a:fld id="{61DE641F-8AD3-4A50-883F-008F33A9F2CB}" type="datetimeFigureOut">
               <a:rPr lang="en-US" smtClean="0"/>
-              <a:t>3/3/2025</a:t>
+              <a:t>3/4/2025</a:t>
             </a:fld>
             <a:endParaRPr lang="en-US"/>
           </a:p>
@@ -2134,7 +2146,7 @@
           <a:p>
             <a:fld id="{61DE641F-8AD3-4A50-883F-008F33A9F2CB}" type="datetimeFigureOut">
               <a:rPr lang="en-US" smtClean="0"/>
-              <a:t>3/3/2025</a:t>
+              <a:t>3/4/2025</a:t>
             </a:fld>
             <a:endParaRPr lang="en-US"/>
           </a:p>
@@ -2445,7 +2457,7 @@
           <a:p>
             <a:fld id="{61DE641F-8AD3-4A50-883F-008F33A9F2CB}" type="datetimeFigureOut">
               <a:rPr lang="en-US" smtClean="0"/>
-              <a:t>3/3/2025</a:t>
+              <a:t>3/4/2025</a:t>
             </a:fld>
             <a:endParaRPr lang="en-US"/>
           </a:p>
@@ -2733,7 +2745,7 @@
           <a:p>
             <a:fld id="{61DE641F-8AD3-4A50-883F-008F33A9F2CB}" type="datetimeFigureOut">
               <a:rPr lang="en-US" smtClean="0"/>
-              <a:t>3/3/2025</a:t>
+              <a:t>3/4/2025</a:t>
             </a:fld>
             <a:endParaRPr lang="en-US"/>
           </a:p>
@@ -2974,7 +2986,7 @@
           <a:p>
             <a:fld id="{61DE641F-8AD3-4A50-883F-008F33A9F2CB}" type="datetimeFigureOut">
               <a:rPr lang="en-US" smtClean="0"/>
-              <a:t>3/3/2025</a:t>
+              <a:t>3/4/2025</a:t>
             </a:fld>
             <a:endParaRPr lang="en-US"/>
           </a:p>
@@ -3485,40 +3497,56 @@
           <a:chExt cx="0" cy="0"/>
         </a:xfrm>
       </p:grpSpPr>
-      <p:pic>
-        <p:nvPicPr>
-          <p:cNvPr id="3" name="Picture 2">
-            <a:extLst>
-              <a:ext uri="{FF2B5EF4-FFF2-40B4-BE49-F238E27FC236}">
-                <a16:creationId xmlns:a16="http://schemas.microsoft.com/office/drawing/2014/main" id="{0A1E6747-8686-2CB4-D849-70CD21E3D572}"/>
-              </a:ext>
-            </a:extLst>
-          </p:cNvPr>
-          <p:cNvPicPr>
-            <a:picLocks noChangeAspect="1"/>
-          </p:cNvPicPr>
+      <p:sp>
+        <p:nvSpPr>
+          <p:cNvPr id="2" name="TextBox 1">
+            <a:extLst>
+              <a:ext uri="{FF2B5EF4-FFF2-40B4-BE49-F238E27FC236}">
+                <a16:creationId xmlns:a16="http://schemas.microsoft.com/office/drawing/2014/main" id="{00CB92DE-1B1D-3D19-4F4A-E2C737C5E277}"/>
+              </a:ext>
+            </a:extLst>
+          </p:cNvPr>
+          <p:cNvSpPr txBox="1"/>
           <p:nvPr/>
-        </p:nvPicPr>
-        <p:blipFill>
-          <a:blip r:embed="rId2"/>
-          <a:stretch>
-            <a:fillRect/>
-          </a:stretch>
-        </p:blipFill>
+        </p:nvSpPr>
         <p:spPr>
           <a:xfrm>
-            <a:off x="1140820" y="0"/>
-            <a:ext cx="9910359" cy="6858000"/>
+            <a:off x="1904752" y="567871"/>
+            <a:ext cx="8382495" cy="923330"/>
           </a:xfrm>
           <a:prstGeom prst="rect">
             <a:avLst/>
           </a:prstGeom>
-        </p:spPr>
-      </p:pic>
+          <a:noFill/>
+        </p:spPr>
+        <p:txBody>
+          <a:bodyPr wrap="square" rtlCol="0">
+            <a:spAutoFit/>
+          </a:bodyPr>
+          <a:lstStyle/>
+          <a:p>
+            <a:r>
+              <a:rPr lang="en-US" dirty="0"/>
+              <a:t>Probe trials on day 4 and 6 are strange: only really scanning or random path. Is there something wrong with how strategy is computed during probe trials? </a:t>
+            </a:r>
+          </a:p>
+          <a:p>
+            <a:r>
+              <a:rPr lang="en-US" dirty="0"/>
+              <a:t>Thus – there is virtually NO allocentric on any </a:t>
+            </a:r>
+            <a:r>
+              <a:rPr lang="en-US"/>
+              <a:t>probe trial on days 4,6</a:t>
+            </a:r>
+            <a:endParaRPr lang="en-US" dirty="0"/>
+          </a:p>
+        </p:txBody>
+      </p:sp>
     </p:spTree>
     <p:extLst>
       <p:ext uri="{BB962C8B-B14F-4D97-AF65-F5344CB8AC3E}">
-        <p14:creationId xmlns:p14="http://schemas.microsoft.com/office/powerpoint/2010/main" val="4292415877"/>
+        <p14:creationId xmlns:p14="http://schemas.microsoft.com/office/powerpoint/2010/main" val="1071243373"/>
       </p:ext>
     </p:extLst>
   </p:cSld>
@@ -3545,57 +3573,12 @@
           <a:chExt cx="0" cy="0"/>
         </a:xfrm>
       </p:grpSpPr>
-      <p:sp>
-        <p:nvSpPr>
-          <p:cNvPr id="2" name="AutoShape 2">
-            <a:extLst>
-              <a:ext uri="{FF2B5EF4-FFF2-40B4-BE49-F238E27FC236}">
-                <a16:creationId xmlns:a16="http://schemas.microsoft.com/office/drawing/2014/main" id="{219848C2-2425-D16D-0EBB-C4A31E70A357}"/>
-              </a:ext>
-            </a:extLst>
-          </p:cNvPr>
-          <p:cNvSpPr>
-            <a:spLocks noChangeAspect="1" noChangeArrowheads="1"/>
-          </p:cNvSpPr>
-          <p:nvPr/>
-        </p:nvSpPr>
-        <p:spPr bwMode="auto">
-          <a:xfrm>
-            <a:off x="5943600" y="3276600"/>
-            <a:ext cx="304800" cy="304800"/>
-          </a:xfrm>
-          <a:prstGeom prst="rect">
-            <a:avLst/>
-          </a:prstGeom>
-          <a:noFill/>
-          <a:extLst>
-            <a:ext uri="{909E8E84-426E-40DD-AFC4-6F175D3DCCD1}">
-              <a14:hiddenFill xmlns:a14="http://schemas.microsoft.com/office/drawing/2010/main">
-                <a:solidFill>
-                  <a:srgbClr val="FFFFFF"/>
-                </a:solidFill>
-              </a14:hiddenFill>
-            </a:ext>
-          </a:extLst>
-        </p:spPr>
-        <p:txBody>
-          <a:bodyPr vert="horz" wrap="square" lIns="91440" tIns="45720" rIns="91440" bIns="45720" numCol="1" anchor="t" anchorCtr="0" compatLnSpc="1">
-            <a:prstTxWarp prst="textNoShape">
-              <a:avLst/>
-            </a:prstTxWarp>
-          </a:bodyPr>
-          <a:lstStyle/>
-          <a:p>
-            <a:endParaRPr lang="en-US"/>
-          </a:p>
-        </p:txBody>
-      </p:sp>
       <p:pic>
         <p:nvPicPr>
-          <p:cNvPr id="3" name="Picture 2">
-            <a:extLst>
-              <a:ext uri="{FF2B5EF4-FFF2-40B4-BE49-F238E27FC236}">
-                <a16:creationId xmlns:a16="http://schemas.microsoft.com/office/drawing/2014/main" id="{789F0607-846A-268B-E4F4-CD02CE7BA8F1}"/>
+          <p:cNvPr id="301" name="Graphic 300">
+            <a:extLst>
+              <a:ext uri="{FF2B5EF4-FFF2-40B4-BE49-F238E27FC236}">
+                <a16:creationId xmlns:a16="http://schemas.microsoft.com/office/drawing/2014/main" id="{3A04520B-E3AD-ED5A-E114-C87BE224895E}"/>
               </a:ext>
             </a:extLst>
           </p:cNvPr>
@@ -3605,15 +3588,21 @@
           <p:nvPr/>
         </p:nvPicPr>
         <p:blipFill>
-          <a:blip r:embed="rId2"/>
+          <a:blip r:embed="rId2">
+            <a:extLst>
+              <a:ext uri="{96DAC541-7B7A-43D3-8B79-37D633B846F1}">
+                <asvg:svgBlip xmlns:asvg="http://schemas.microsoft.com/office/drawing/2016/SVG/main" r:embed="rId3"/>
+              </a:ext>
+            </a:extLst>
+          </a:blip>
           <a:stretch>
             <a:fillRect/>
           </a:stretch>
         </p:blipFill>
         <p:spPr>
           <a:xfrm>
-            <a:off x="1140820" y="0"/>
-            <a:ext cx="9910359" cy="6858000"/>
+            <a:off x="3251200" y="1105565"/>
+            <a:ext cx="5900737" cy="5029487"/>
           </a:xfrm>
           <a:prstGeom prst="rect">
             <a:avLst/>
@@ -3623,7 +3612,7 @@
     </p:spTree>
     <p:extLst>
       <p:ext uri="{BB962C8B-B14F-4D97-AF65-F5344CB8AC3E}">
-        <p14:creationId xmlns:p14="http://schemas.microsoft.com/office/powerpoint/2010/main" val="561676582"/>
+        <p14:creationId xmlns:p14="http://schemas.microsoft.com/office/powerpoint/2010/main" val="264309138"/>
       </p:ext>
     </p:extLst>
   </p:cSld>
@@ -3652,10 +3641,10 @@
       </p:grpSpPr>
       <p:pic>
         <p:nvPicPr>
-          <p:cNvPr id="5" name="Picture 4">
-            <a:extLst>
-              <a:ext uri="{FF2B5EF4-FFF2-40B4-BE49-F238E27FC236}">
-                <a16:creationId xmlns:a16="http://schemas.microsoft.com/office/drawing/2014/main" id="{4B513379-AB50-4E7C-9A66-BB26D9290C37}"/>
+          <p:cNvPr id="3" name="Picture 2">
+            <a:extLst>
+              <a:ext uri="{FF2B5EF4-FFF2-40B4-BE49-F238E27FC236}">
+                <a16:creationId xmlns:a16="http://schemas.microsoft.com/office/drawing/2014/main" id="{79972D0F-24EA-CA63-B53B-CB375AFAC293}"/>
               </a:ext>
             </a:extLst>
           </p:cNvPr>
@@ -3672,57 +3661,18 @@
         </p:blipFill>
         <p:spPr>
           <a:xfrm>
-            <a:off x="2957183" y="0"/>
-            <a:ext cx="6163926" cy="6858000"/>
+            <a:off x="438150" y="885825"/>
+            <a:ext cx="11315700" cy="5086350"/>
           </a:xfrm>
           <a:prstGeom prst="rect">
             <a:avLst/>
           </a:prstGeom>
         </p:spPr>
       </p:pic>
-      <p:sp>
-        <p:nvSpPr>
-          <p:cNvPr id="6" name="TextBox 5">
-            <a:extLst>
-              <a:ext uri="{FF2B5EF4-FFF2-40B4-BE49-F238E27FC236}">
-                <a16:creationId xmlns:a16="http://schemas.microsoft.com/office/drawing/2014/main" id="{C64F07B4-F8AE-4312-DE75-9241500C7A38}"/>
-              </a:ext>
-            </a:extLst>
-          </p:cNvPr>
-          <p:cNvSpPr txBox="1"/>
-          <p:nvPr/>
-        </p:nvSpPr>
-        <p:spPr>
-          <a:xfrm>
-            <a:off x="426404" y="1246048"/>
-            <a:ext cx="1412566" cy="369332"/>
-          </a:xfrm>
-          <a:prstGeom prst="rect">
-            <a:avLst/>
-          </a:prstGeom>
-          <a:noFill/>
-        </p:spPr>
-        <p:txBody>
-          <a:bodyPr wrap="none" rtlCol="0">
-            <a:spAutoFit/>
-          </a:bodyPr>
-          <a:lstStyle/>
-          <a:p>
-            <a:r>
-              <a:rPr lang="en-US" dirty="0" err="1"/>
-              <a:t>Garthe</a:t>
-            </a:r>
-            <a:r>
-              <a:rPr lang="en-US" dirty="0"/>
-              <a:t> 2009</a:t>
-            </a:r>
-          </a:p>
-        </p:txBody>
-      </p:sp>
     </p:spTree>
     <p:extLst>
       <p:ext uri="{BB962C8B-B14F-4D97-AF65-F5344CB8AC3E}">
-        <p14:creationId xmlns:p14="http://schemas.microsoft.com/office/powerpoint/2010/main" val="205182300"/>
+        <p14:creationId xmlns:p14="http://schemas.microsoft.com/office/powerpoint/2010/main" val="1019340367"/>
       </p:ext>
     </p:extLst>
   </p:cSld>
@@ -3749,12 +3699,47 @@
           <a:chExt cx="0" cy="0"/>
         </a:xfrm>
       </p:grpSpPr>
+      <p:sp>
+        <p:nvSpPr>
+          <p:cNvPr id="2" name="TextBox 1">
+            <a:extLst>
+              <a:ext uri="{FF2B5EF4-FFF2-40B4-BE49-F238E27FC236}">
+                <a16:creationId xmlns:a16="http://schemas.microsoft.com/office/drawing/2014/main" id="{83A5378E-A7A7-64AB-423A-B04536FE285A}"/>
+              </a:ext>
+            </a:extLst>
+          </p:cNvPr>
+          <p:cNvSpPr txBox="1"/>
+          <p:nvPr/>
+        </p:nvSpPr>
+        <p:spPr>
+          <a:xfrm>
+            <a:off x="0" y="0"/>
+            <a:ext cx="3918893" cy="369332"/>
+          </a:xfrm>
+          <a:prstGeom prst="rect">
+            <a:avLst/>
+          </a:prstGeom>
+          <a:noFill/>
+        </p:spPr>
+        <p:txBody>
+          <a:bodyPr wrap="none" rtlCol="0">
+            <a:spAutoFit/>
+          </a:bodyPr>
+          <a:lstStyle/>
+          <a:p>
+            <a:r>
+              <a:rPr lang="en-US" dirty="0"/>
+              <a:t>Reversal performance for Sham only.</a:t>
+            </a:r>
+          </a:p>
+        </p:txBody>
+      </p:sp>
       <p:pic>
         <p:nvPicPr>
-          <p:cNvPr id="2" name="Picture 1">
-            <a:extLst>
-              <a:ext uri="{FF2B5EF4-FFF2-40B4-BE49-F238E27FC236}">
-                <a16:creationId xmlns:a16="http://schemas.microsoft.com/office/drawing/2014/main" id="{904A16C2-12E4-55C5-D23F-C662A36545E4}"/>
+          <p:cNvPr id="4" name="Picture 3">
+            <a:extLst>
+              <a:ext uri="{FF2B5EF4-FFF2-40B4-BE49-F238E27FC236}">
+                <a16:creationId xmlns:a16="http://schemas.microsoft.com/office/drawing/2014/main" id="{B615671B-A4AD-523E-42ED-086D75D2298E}"/>
               </a:ext>
             </a:extLst>
           </p:cNvPr>
@@ -3771,8 +3756,8 @@
         </p:blipFill>
         <p:spPr>
           <a:xfrm>
-            <a:off x="1140820" y="0"/>
-            <a:ext cx="9910359" cy="6858000"/>
+            <a:off x="438150" y="885825"/>
+            <a:ext cx="11315700" cy="5086350"/>
           </a:xfrm>
           <a:prstGeom prst="rect">
             <a:avLst/>
@@ -3782,7 +3767,7 @@
     </p:spTree>
     <p:extLst>
       <p:ext uri="{BB962C8B-B14F-4D97-AF65-F5344CB8AC3E}">
-        <p14:creationId xmlns:p14="http://schemas.microsoft.com/office/powerpoint/2010/main" val="573556801"/>
+        <p14:creationId xmlns:p14="http://schemas.microsoft.com/office/powerpoint/2010/main" val="540378374"/>
       </p:ext>
     </p:extLst>
   </p:cSld>
@@ -3809,57 +3794,12 @@
           <a:chExt cx="0" cy="0"/>
         </a:xfrm>
       </p:grpSpPr>
-      <p:sp>
-        <p:nvSpPr>
-          <p:cNvPr id="2" name="AutoShape 2">
-            <a:extLst>
-              <a:ext uri="{FF2B5EF4-FFF2-40B4-BE49-F238E27FC236}">
-                <a16:creationId xmlns:a16="http://schemas.microsoft.com/office/drawing/2014/main" id="{DA3E6FF7-7284-0F95-490C-64E53E28EE2E}"/>
-              </a:ext>
-            </a:extLst>
-          </p:cNvPr>
-          <p:cNvSpPr>
-            <a:spLocks noChangeAspect="1" noChangeArrowheads="1"/>
-          </p:cNvSpPr>
-          <p:nvPr/>
-        </p:nvSpPr>
-        <p:spPr bwMode="auto">
-          <a:xfrm>
-            <a:off x="5943600" y="3276600"/>
-            <a:ext cx="304800" cy="304800"/>
-          </a:xfrm>
-          <a:prstGeom prst="rect">
-            <a:avLst/>
-          </a:prstGeom>
-          <a:noFill/>
-          <a:extLst>
-            <a:ext uri="{909E8E84-426E-40DD-AFC4-6F175D3DCCD1}">
-              <a14:hiddenFill xmlns:a14="http://schemas.microsoft.com/office/drawing/2010/main">
-                <a:solidFill>
-                  <a:srgbClr val="FFFFFF"/>
-                </a:solidFill>
-              </a14:hiddenFill>
-            </a:ext>
-          </a:extLst>
-        </p:spPr>
-        <p:txBody>
-          <a:bodyPr vert="horz" wrap="square" lIns="91440" tIns="45720" rIns="91440" bIns="45720" numCol="1" anchor="t" anchorCtr="0" compatLnSpc="1">
-            <a:prstTxWarp prst="textNoShape">
-              <a:avLst/>
-            </a:prstTxWarp>
-          </a:bodyPr>
-          <a:lstStyle/>
-          <a:p>
-            <a:endParaRPr lang="en-US"/>
-          </a:p>
-        </p:txBody>
-      </p:sp>
       <p:pic>
         <p:nvPicPr>
           <p:cNvPr id="3" name="Picture 2">
             <a:extLst>
               <a:ext uri="{FF2B5EF4-FFF2-40B4-BE49-F238E27FC236}">
-                <a16:creationId xmlns:a16="http://schemas.microsoft.com/office/drawing/2014/main" id="{2165EDD5-A09C-D0B2-FD9B-1C5B509ADF76}"/>
+                <a16:creationId xmlns:a16="http://schemas.microsoft.com/office/drawing/2014/main" id="{0A1E6747-8686-2CB4-D849-70CD21E3D572}"/>
               </a:ext>
             </a:extLst>
           </p:cNvPr>
@@ -3887,7 +3827,7 @@
     </p:spTree>
     <p:extLst>
       <p:ext uri="{BB962C8B-B14F-4D97-AF65-F5344CB8AC3E}">
-        <p14:creationId xmlns:p14="http://schemas.microsoft.com/office/powerpoint/2010/main" val="3617733690"/>
+        <p14:creationId xmlns:p14="http://schemas.microsoft.com/office/powerpoint/2010/main" val="4292415877"/>
       </p:ext>
     </p:extLst>
   </p:cSld>
@@ -3919,7 +3859,7 @@
           <p:cNvPr id="2" name="AutoShape 2">
             <a:extLst>
               <a:ext uri="{FF2B5EF4-FFF2-40B4-BE49-F238E27FC236}">
-                <a16:creationId xmlns:a16="http://schemas.microsoft.com/office/drawing/2014/main" id="{2B013118-FB58-2A08-538F-5C09A6622FF4}"/>
+                <a16:creationId xmlns:a16="http://schemas.microsoft.com/office/drawing/2014/main" id="{219848C2-2425-D16D-0EBB-C4A31E70A357}"/>
               </a:ext>
             </a:extLst>
           </p:cNvPr>
@@ -3964,7 +3904,7 @@
           <p:cNvPr id="3" name="Picture 2">
             <a:extLst>
               <a:ext uri="{FF2B5EF4-FFF2-40B4-BE49-F238E27FC236}">
-                <a16:creationId xmlns:a16="http://schemas.microsoft.com/office/drawing/2014/main" id="{15D97D59-E4B2-47A3-5149-77933B4E2EE8}"/>
+                <a16:creationId xmlns:a16="http://schemas.microsoft.com/office/drawing/2014/main" id="{789F0607-846A-268B-E4F4-CD02CE7BA8F1}"/>
               </a:ext>
             </a:extLst>
           </p:cNvPr>
@@ -3992,7 +3932,7 @@
     </p:spTree>
     <p:extLst>
       <p:ext uri="{BB962C8B-B14F-4D97-AF65-F5344CB8AC3E}">
-        <p14:creationId xmlns:p14="http://schemas.microsoft.com/office/powerpoint/2010/main" val="1758780394"/>
+        <p14:creationId xmlns:p14="http://schemas.microsoft.com/office/powerpoint/2010/main" val="561676582"/>
       </p:ext>
     </p:extLst>
   </p:cSld>
@@ -4019,57 +3959,12 @@
           <a:chExt cx="0" cy="0"/>
         </a:xfrm>
       </p:grpSpPr>
-      <p:sp>
-        <p:nvSpPr>
-          <p:cNvPr id="2" name="AutoShape 2">
-            <a:extLst>
-              <a:ext uri="{FF2B5EF4-FFF2-40B4-BE49-F238E27FC236}">
-                <a16:creationId xmlns:a16="http://schemas.microsoft.com/office/drawing/2014/main" id="{5E46BAD2-521A-C0D8-7001-6DA0922E6570}"/>
-              </a:ext>
-            </a:extLst>
-          </p:cNvPr>
-          <p:cNvSpPr>
-            <a:spLocks noChangeAspect="1" noChangeArrowheads="1"/>
-          </p:cNvSpPr>
-          <p:nvPr/>
-        </p:nvSpPr>
-        <p:spPr bwMode="auto">
-          <a:xfrm>
-            <a:off x="5943600" y="3276600"/>
-            <a:ext cx="304800" cy="304800"/>
-          </a:xfrm>
-          <a:prstGeom prst="rect">
-            <a:avLst/>
-          </a:prstGeom>
-          <a:noFill/>
-          <a:extLst>
-            <a:ext uri="{909E8E84-426E-40DD-AFC4-6F175D3DCCD1}">
-              <a14:hiddenFill xmlns:a14="http://schemas.microsoft.com/office/drawing/2010/main">
-                <a:solidFill>
-                  <a:srgbClr val="FFFFFF"/>
-                </a:solidFill>
-              </a14:hiddenFill>
-            </a:ext>
-          </a:extLst>
-        </p:spPr>
-        <p:txBody>
-          <a:bodyPr vert="horz" wrap="square" lIns="91440" tIns="45720" rIns="91440" bIns="45720" numCol="1" anchor="t" anchorCtr="0" compatLnSpc="1">
-            <a:prstTxWarp prst="textNoShape">
-              <a:avLst/>
-            </a:prstTxWarp>
-          </a:bodyPr>
-          <a:lstStyle/>
-          <a:p>
-            <a:endParaRPr lang="en-US"/>
-          </a:p>
-        </p:txBody>
-      </p:sp>
       <p:pic>
         <p:nvPicPr>
-          <p:cNvPr id="3" name="Picture 2">
-            <a:extLst>
-              <a:ext uri="{FF2B5EF4-FFF2-40B4-BE49-F238E27FC236}">
-                <a16:creationId xmlns:a16="http://schemas.microsoft.com/office/drawing/2014/main" id="{B4296E4C-5B0B-E688-0207-07AD9DF55315}"/>
+          <p:cNvPr id="5" name="Picture 4">
+            <a:extLst>
+              <a:ext uri="{FF2B5EF4-FFF2-40B4-BE49-F238E27FC236}">
+                <a16:creationId xmlns:a16="http://schemas.microsoft.com/office/drawing/2014/main" id="{4B513379-AB50-4E7C-9A66-BB26D9290C37}"/>
               </a:ext>
             </a:extLst>
           </p:cNvPr>
@@ -4086,18 +3981,57 @@
         </p:blipFill>
         <p:spPr>
           <a:xfrm>
-            <a:off x="1140820" y="0"/>
-            <a:ext cx="9910359" cy="6858000"/>
+            <a:off x="2957183" y="0"/>
+            <a:ext cx="6163926" cy="6858000"/>
           </a:xfrm>
           <a:prstGeom prst="rect">
             <a:avLst/>
           </a:prstGeom>
         </p:spPr>
       </p:pic>
+      <p:sp>
+        <p:nvSpPr>
+          <p:cNvPr id="6" name="TextBox 5">
+            <a:extLst>
+              <a:ext uri="{FF2B5EF4-FFF2-40B4-BE49-F238E27FC236}">
+                <a16:creationId xmlns:a16="http://schemas.microsoft.com/office/drawing/2014/main" id="{C64F07B4-F8AE-4312-DE75-9241500C7A38}"/>
+              </a:ext>
+            </a:extLst>
+          </p:cNvPr>
+          <p:cNvSpPr txBox="1"/>
+          <p:nvPr/>
+        </p:nvSpPr>
+        <p:spPr>
+          <a:xfrm>
+            <a:off x="426404" y="1246048"/>
+            <a:ext cx="1412566" cy="369332"/>
+          </a:xfrm>
+          <a:prstGeom prst="rect">
+            <a:avLst/>
+          </a:prstGeom>
+          <a:noFill/>
+        </p:spPr>
+        <p:txBody>
+          <a:bodyPr wrap="none" rtlCol="0">
+            <a:spAutoFit/>
+          </a:bodyPr>
+          <a:lstStyle/>
+          <a:p>
+            <a:r>
+              <a:rPr lang="en-US" dirty="0" err="1"/>
+              <a:t>Garthe</a:t>
+            </a:r>
+            <a:r>
+              <a:rPr lang="en-US" dirty="0"/>
+              <a:t> 2009</a:t>
+            </a:r>
+          </a:p>
+        </p:txBody>
+      </p:sp>
     </p:spTree>
     <p:extLst>
       <p:ext uri="{BB962C8B-B14F-4D97-AF65-F5344CB8AC3E}">
-        <p14:creationId xmlns:p14="http://schemas.microsoft.com/office/powerpoint/2010/main" val="1754420257"/>
+        <p14:creationId xmlns:p14="http://schemas.microsoft.com/office/powerpoint/2010/main" val="205182300"/>
       </p:ext>
     </p:extLst>
   </p:cSld>
@@ -4124,12 +4058,72 @@
           <a:chExt cx="0" cy="0"/>
         </a:xfrm>
       </p:grpSpPr>
+      <p:pic>
+        <p:nvPicPr>
+          <p:cNvPr id="2" name="Picture 1">
+            <a:extLst>
+              <a:ext uri="{FF2B5EF4-FFF2-40B4-BE49-F238E27FC236}">
+                <a16:creationId xmlns:a16="http://schemas.microsoft.com/office/drawing/2014/main" id="{904A16C2-12E4-55C5-D23F-C662A36545E4}"/>
+              </a:ext>
+            </a:extLst>
+          </p:cNvPr>
+          <p:cNvPicPr>
+            <a:picLocks noChangeAspect="1"/>
+          </p:cNvPicPr>
+          <p:nvPr/>
+        </p:nvPicPr>
+        <p:blipFill>
+          <a:blip r:embed="rId2"/>
+          <a:stretch>
+            <a:fillRect/>
+          </a:stretch>
+        </p:blipFill>
+        <p:spPr>
+          <a:xfrm>
+            <a:off x="1140820" y="0"/>
+            <a:ext cx="9910359" cy="6858000"/>
+          </a:xfrm>
+          <a:prstGeom prst="rect">
+            <a:avLst/>
+          </a:prstGeom>
+        </p:spPr>
+      </p:pic>
+    </p:spTree>
+    <p:extLst>
+      <p:ext uri="{BB962C8B-B14F-4D97-AF65-F5344CB8AC3E}">
+        <p14:creationId xmlns:p14="http://schemas.microsoft.com/office/powerpoint/2010/main" val="573556801"/>
+      </p:ext>
+    </p:extLst>
+  </p:cSld>
+  <p:clrMapOvr>
+    <a:masterClrMapping/>
+  </p:clrMapOvr>
+</p:sld>
+</file>
+
+<file path=ppt/slides/slide18.xml><?xml version="1.0" encoding="utf-8"?>
+<p:sld xmlns:a="http://schemas.openxmlformats.org/drawingml/2006/main" xmlns:r="http://schemas.openxmlformats.org/officeDocument/2006/relationships" xmlns:p="http://schemas.openxmlformats.org/presentationml/2006/main">
+  <p:cSld>
+    <p:spTree>
+      <p:nvGrpSpPr>
+        <p:cNvPr id="1" name=""/>
+        <p:cNvGrpSpPr/>
+        <p:nvPr/>
+      </p:nvGrpSpPr>
+      <p:grpSpPr>
+        <a:xfrm>
+          <a:off x="0" y="0"/>
+          <a:ext cx="0" cy="0"/>
+          <a:chOff x="0" y="0"/>
+          <a:chExt cx="0" cy="0"/>
+        </a:xfrm>
+      </p:grpSpPr>
       <p:sp>
         <p:nvSpPr>
           <p:cNvPr id="2" name="AutoShape 2">
             <a:extLst>
               <a:ext uri="{FF2B5EF4-FFF2-40B4-BE49-F238E27FC236}">
-                <a16:creationId xmlns:a16="http://schemas.microsoft.com/office/drawing/2014/main" id="{808E058C-F21D-583C-20C0-CE6AC8A4D24A}"/>
+                <a16:creationId xmlns:a16="http://schemas.microsoft.com/office/drawing/2014/main" id="{DA3E6FF7-7284-0F95-490C-64E53E28EE2E}"/>
               </a:ext>
             </a:extLst>
           </p:cNvPr>
@@ -4174,7 +4168,7 @@
           <p:cNvPr id="3" name="Picture 2">
             <a:extLst>
               <a:ext uri="{FF2B5EF4-FFF2-40B4-BE49-F238E27FC236}">
-                <a16:creationId xmlns:a16="http://schemas.microsoft.com/office/drawing/2014/main" id="{82ACC463-87D4-AE7E-72B8-7227EABD8DD5}"/>
+                <a16:creationId xmlns:a16="http://schemas.microsoft.com/office/drawing/2014/main" id="{2165EDD5-A09C-D0B2-FD9B-1C5B509ADF76}"/>
               </a:ext>
             </a:extLst>
           </p:cNvPr>
@@ -4202,7 +4196,112 @@
     </p:spTree>
     <p:extLst>
       <p:ext uri="{BB962C8B-B14F-4D97-AF65-F5344CB8AC3E}">
-        <p14:creationId xmlns:p14="http://schemas.microsoft.com/office/powerpoint/2010/main" val="3744540318"/>
+        <p14:creationId xmlns:p14="http://schemas.microsoft.com/office/powerpoint/2010/main" val="3617733690"/>
+      </p:ext>
+    </p:extLst>
+  </p:cSld>
+  <p:clrMapOvr>
+    <a:masterClrMapping/>
+  </p:clrMapOvr>
+</p:sld>
+</file>
+
+<file path=ppt/slides/slide19.xml><?xml version="1.0" encoding="utf-8"?>
+<p:sld xmlns:a="http://schemas.openxmlformats.org/drawingml/2006/main" xmlns:r="http://schemas.openxmlformats.org/officeDocument/2006/relationships" xmlns:p="http://schemas.openxmlformats.org/presentationml/2006/main">
+  <p:cSld>
+    <p:spTree>
+      <p:nvGrpSpPr>
+        <p:cNvPr id="1" name=""/>
+        <p:cNvGrpSpPr/>
+        <p:nvPr/>
+      </p:nvGrpSpPr>
+      <p:grpSpPr>
+        <a:xfrm>
+          <a:off x="0" y="0"/>
+          <a:ext cx="0" cy="0"/>
+          <a:chOff x="0" y="0"/>
+          <a:chExt cx="0" cy="0"/>
+        </a:xfrm>
+      </p:grpSpPr>
+      <p:sp>
+        <p:nvSpPr>
+          <p:cNvPr id="2" name="AutoShape 2">
+            <a:extLst>
+              <a:ext uri="{FF2B5EF4-FFF2-40B4-BE49-F238E27FC236}">
+                <a16:creationId xmlns:a16="http://schemas.microsoft.com/office/drawing/2014/main" id="{2B013118-FB58-2A08-538F-5C09A6622FF4}"/>
+              </a:ext>
+            </a:extLst>
+          </p:cNvPr>
+          <p:cNvSpPr>
+            <a:spLocks noChangeAspect="1" noChangeArrowheads="1"/>
+          </p:cNvSpPr>
+          <p:nvPr/>
+        </p:nvSpPr>
+        <p:spPr bwMode="auto">
+          <a:xfrm>
+            <a:off x="5943600" y="3276600"/>
+            <a:ext cx="304800" cy="304800"/>
+          </a:xfrm>
+          <a:prstGeom prst="rect">
+            <a:avLst/>
+          </a:prstGeom>
+          <a:noFill/>
+          <a:extLst>
+            <a:ext uri="{909E8E84-426E-40DD-AFC4-6F175D3DCCD1}">
+              <a14:hiddenFill xmlns:a14="http://schemas.microsoft.com/office/drawing/2010/main">
+                <a:solidFill>
+                  <a:srgbClr val="FFFFFF"/>
+                </a:solidFill>
+              </a14:hiddenFill>
+            </a:ext>
+          </a:extLst>
+        </p:spPr>
+        <p:txBody>
+          <a:bodyPr vert="horz" wrap="square" lIns="91440" tIns="45720" rIns="91440" bIns="45720" numCol="1" anchor="t" anchorCtr="0" compatLnSpc="1">
+            <a:prstTxWarp prst="textNoShape">
+              <a:avLst/>
+            </a:prstTxWarp>
+          </a:bodyPr>
+          <a:lstStyle/>
+          <a:p>
+            <a:endParaRPr lang="en-US"/>
+          </a:p>
+        </p:txBody>
+      </p:sp>
+      <p:pic>
+        <p:nvPicPr>
+          <p:cNvPr id="3" name="Picture 2">
+            <a:extLst>
+              <a:ext uri="{FF2B5EF4-FFF2-40B4-BE49-F238E27FC236}">
+                <a16:creationId xmlns:a16="http://schemas.microsoft.com/office/drawing/2014/main" id="{15D97D59-E4B2-47A3-5149-77933B4E2EE8}"/>
+              </a:ext>
+            </a:extLst>
+          </p:cNvPr>
+          <p:cNvPicPr>
+            <a:picLocks noChangeAspect="1"/>
+          </p:cNvPicPr>
+          <p:nvPr/>
+        </p:nvPicPr>
+        <p:blipFill>
+          <a:blip r:embed="rId2"/>
+          <a:stretch>
+            <a:fillRect/>
+          </a:stretch>
+        </p:blipFill>
+        <p:spPr>
+          <a:xfrm>
+            <a:off x="1140820" y="0"/>
+            <a:ext cx="9910359" cy="6858000"/>
+          </a:xfrm>
+          <a:prstGeom prst="rect">
+            <a:avLst/>
+          </a:prstGeom>
+        </p:spPr>
+      </p:pic>
+    </p:spTree>
+    <p:extLst>
+      <p:ext uri="{BB962C8B-B14F-4D97-AF65-F5344CB8AC3E}">
+        <p14:creationId xmlns:p14="http://schemas.microsoft.com/office/powerpoint/2010/main" val="1758780394"/>
       </p:ext>
     </p:extLst>
   </p:cSld>
@@ -4308,6 +4407,216 @@
     <p:extLst>
       <p:ext uri="{BB962C8B-B14F-4D97-AF65-F5344CB8AC3E}">
         <p14:creationId xmlns:p14="http://schemas.microsoft.com/office/powerpoint/2010/main" val="2050629568"/>
+      </p:ext>
+    </p:extLst>
+  </p:cSld>
+  <p:clrMapOvr>
+    <a:masterClrMapping/>
+  </p:clrMapOvr>
+</p:sld>
+</file>
+
+<file path=ppt/slides/slide20.xml><?xml version="1.0" encoding="utf-8"?>
+<p:sld xmlns:a="http://schemas.openxmlformats.org/drawingml/2006/main" xmlns:r="http://schemas.openxmlformats.org/officeDocument/2006/relationships" xmlns:p="http://schemas.openxmlformats.org/presentationml/2006/main">
+  <p:cSld>
+    <p:spTree>
+      <p:nvGrpSpPr>
+        <p:cNvPr id="1" name=""/>
+        <p:cNvGrpSpPr/>
+        <p:nvPr/>
+      </p:nvGrpSpPr>
+      <p:grpSpPr>
+        <a:xfrm>
+          <a:off x="0" y="0"/>
+          <a:ext cx="0" cy="0"/>
+          <a:chOff x="0" y="0"/>
+          <a:chExt cx="0" cy="0"/>
+        </a:xfrm>
+      </p:grpSpPr>
+      <p:sp>
+        <p:nvSpPr>
+          <p:cNvPr id="2" name="AutoShape 2">
+            <a:extLst>
+              <a:ext uri="{FF2B5EF4-FFF2-40B4-BE49-F238E27FC236}">
+                <a16:creationId xmlns:a16="http://schemas.microsoft.com/office/drawing/2014/main" id="{5E46BAD2-521A-C0D8-7001-6DA0922E6570}"/>
+              </a:ext>
+            </a:extLst>
+          </p:cNvPr>
+          <p:cNvSpPr>
+            <a:spLocks noChangeAspect="1" noChangeArrowheads="1"/>
+          </p:cNvSpPr>
+          <p:nvPr/>
+        </p:nvSpPr>
+        <p:spPr bwMode="auto">
+          <a:xfrm>
+            <a:off x="5943600" y="3276600"/>
+            <a:ext cx="304800" cy="304800"/>
+          </a:xfrm>
+          <a:prstGeom prst="rect">
+            <a:avLst/>
+          </a:prstGeom>
+          <a:noFill/>
+          <a:extLst>
+            <a:ext uri="{909E8E84-426E-40DD-AFC4-6F175D3DCCD1}">
+              <a14:hiddenFill xmlns:a14="http://schemas.microsoft.com/office/drawing/2010/main">
+                <a:solidFill>
+                  <a:srgbClr val="FFFFFF"/>
+                </a:solidFill>
+              </a14:hiddenFill>
+            </a:ext>
+          </a:extLst>
+        </p:spPr>
+        <p:txBody>
+          <a:bodyPr vert="horz" wrap="square" lIns="91440" tIns="45720" rIns="91440" bIns="45720" numCol="1" anchor="t" anchorCtr="0" compatLnSpc="1">
+            <a:prstTxWarp prst="textNoShape">
+              <a:avLst/>
+            </a:prstTxWarp>
+          </a:bodyPr>
+          <a:lstStyle/>
+          <a:p>
+            <a:endParaRPr lang="en-US"/>
+          </a:p>
+        </p:txBody>
+      </p:sp>
+      <p:pic>
+        <p:nvPicPr>
+          <p:cNvPr id="3" name="Picture 2">
+            <a:extLst>
+              <a:ext uri="{FF2B5EF4-FFF2-40B4-BE49-F238E27FC236}">
+                <a16:creationId xmlns:a16="http://schemas.microsoft.com/office/drawing/2014/main" id="{B4296E4C-5B0B-E688-0207-07AD9DF55315}"/>
+              </a:ext>
+            </a:extLst>
+          </p:cNvPr>
+          <p:cNvPicPr>
+            <a:picLocks noChangeAspect="1"/>
+          </p:cNvPicPr>
+          <p:nvPr/>
+        </p:nvPicPr>
+        <p:blipFill>
+          <a:blip r:embed="rId2"/>
+          <a:stretch>
+            <a:fillRect/>
+          </a:stretch>
+        </p:blipFill>
+        <p:spPr>
+          <a:xfrm>
+            <a:off x="1140820" y="0"/>
+            <a:ext cx="9910359" cy="6858000"/>
+          </a:xfrm>
+          <a:prstGeom prst="rect">
+            <a:avLst/>
+          </a:prstGeom>
+        </p:spPr>
+      </p:pic>
+    </p:spTree>
+    <p:extLst>
+      <p:ext uri="{BB962C8B-B14F-4D97-AF65-F5344CB8AC3E}">
+        <p14:creationId xmlns:p14="http://schemas.microsoft.com/office/powerpoint/2010/main" val="1754420257"/>
+      </p:ext>
+    </p:extLst>
+  </p:cSld>
+  <p:clrMapOvr>
+    <a:masterClrMapping/>
+  </p:clrMapOvr>
+</p:sld>
+</file>
+
+<file path=ppt/slides/slide21.xml><?xml version="1.0" encoding="utf-8"?>
+<p:sld xmlns:a="http://schemas.openxmlformats.org/drawingml/2006/main" xmlns:r="http://schemas.openxmlformats.org/officeDocument/2006/relationships" xmlns:p="http://schemas.openxmlformats.org/presentationml/2006/main">
+  <p:cSld>
+    <p:spTree>
+      <p:nvGrpSpPr>
+        <p:cNvPr id="1" name=""/>
+        <p:cNvGrpSpPr/>
+        <p:nvPr/>
+      </p:nvGrpSpPr>
+      <p:grpSpPr>
+        <a:xfrm>
+          <a:off x="0" y="0"/>
+          <a:ext cx="0" cy="0"/>
+          <a:chOff x="0" y="0"/>
+          <a:chExt cx="0" cy="0"/>
+        </a:xfrm>
+      </p:grpSpPr>
+      <p:sp>
+        <p:nvSpPr>
+          <p:cNvPr id="2" name="AutoShape 2">
+            <a:extLst>
+              <a:ext uri="{FF2B5EF4-FFF2-40B4-BE49-F238E27FC236}">
+                <a16:creationId xmlns:a16="http://schemas.microsoft.com/office/drawing/2014/main" id="{808E058C-F21D-583C-20C0-CE6AC8A4D24A}"/>
+              </a:ext>
+            </a:extLst>
+          </p:cNvPr>
+          <p:cNvSpPr>
+            <a:spLocks noChangeAspect="1" noChangeArrowheads="1"/>
+          </p:cNvSpPr>
+          <p:nvPr/>
+        </p:nvSpPr>
+        <p:spPr bwMode="auto">
+          <a:xfrm>
+            <a:off x="5943600" y="3276600"/>
+            <a:ext cx="304800" cy="304800"/>
+          </a:xfrm>
+          <a:prstGeom prst="rect">
+            <a:avLst/>
+          </a:prstGeom>
+          <a:noFill/>
+          <a:extLst>
+            <a:ext uri="{909E8E84-426E-40DD-AFC4-6F175D3DCCD1}">
+              <a14:hiddenFill xmlns:a14="http://schemas.microsoft.com/office/drawing/2010/main">
+                <a:solidFill>
+                  <a:srgbClr val="FFFFFF"/>
+                </a:solidFill>
+              </a14:hiddenFill>
+            </a:ext>
+          </a:extLst>
+        </p:spPr>
+        <p:txBody>
+          <a:bodyPr vert="horz" wrap="square" lIns="91440" tIns="45720" rIns="91440" bIns="45720" numCol="1" anchor="t" anchorCtr="0" compatLnSpc="1">
+            <a:prstTxWarp prst="textNoShape">
+              <a:avLst/>
+            </a:prstTxWarp>
+          </a:bodyPr>
+          <a:lstStyle/>
+          <a:p>
+            <a:endParaRPr lang="en-US"/>
+          </a:p>
+        </p:txBody>
+      </p:sp>
+      <p:pic>
+        <p:nvPicPr>
+          <p:cNvPr id="3" name="Picture 2">
+            <a:extLst>
+              <a:ext uri="{FF2B5EF4-FFF2-40B4-BE49-F238E27FC236}">
+                <a16:creationId xmlns:a16="http://schemas.microsoft.com/office/drawing/2014/main" id="{82ACC463-87D4-AE7E-72B8-7227EABD8DD5}"/>
+              </a:ext>
+            </a:extLst>
+          </p:cNvPr>
+          <p:cNvPicPr>
+            <a:picLocks noChangeAspect="1"/>
+          </p:cNvPicPr>
+          <p:nvPr/>
+        </p:nvPicPr>
+        <p:blipFill>
+          <a:blip r:embed="rId2"/>
+          <a:stretch>
+            <a:fillRect/>
+          </a:stretch>
+        </p:blipFill>
+        <p:spPr>
+          <a:xfrm>
+            <a:off x="1140820" y="0"/>
+            <a:ext cx="9910359" cy="6858000"/>
+          </a:xfrm>
+          <a:prstGeom prst="rect">
+            <a:avLst/>
+          </a:prstGeom>
+        </p:spPr>
+      </p:pic>
+    </p:spTree>
+    <p:extLst>
+      <p:ext uri="{BB962C8B-B14F-4D97-AF65-F5344CB8AC3E}">
+        <p14:creationId xmlns:p14="http://schemas.microsoft.com/office/powerpoint/2010/main" val="3744540318"/>
       </p:ext>
     </p:extLst>
   </p:cSld>
@@ -4835,12 +5144,57 @@
           <a:chExt cx="0" cy="0"/>
         </a:xfrm>
       </p:grpSpPr>
+      <p:sp>
+        <p:nvSpPr>
+          <p:cNvPr id="2" name="AutoShape 2">
+            <a:extLst>
+              <a:ext uri="{FF2B5EF4-FFF2-40B4-BE49-F238E27FC236}">
+                <a16:creationId xmlns:a16="http://schemas.microsoft.com/office/drawing/2014/main" id="{0E1A7110-19DF-708A-4F7C-034039F2BD1D}"/>
+              </a:ext>
+            </a:extLst>
+          </p:cNvPr>
+          <p:cNvSpPr>
+            <a:spLocks noChangeAspect="1" noChangeArrowheads="1"/>
+          </p:cNvSpPr>
+          <p:nvPr/>
+        </p:nvSpPr>
+        <p:spPr bwMode="auto">
+          <a:xfrm>
+            <a:off x="5943600" y="3276600"/>
+            <a:ext cx="304800" cy="304800"/>
+          </a:xfrm>
+          <a:prstGeom prst="rect">
+            <a:avLst/>
+          </a:prstGeom>
+          <a:noFill/>
+          <a:extLst>
+            <a:ext uri="{909E8E84-426E-40DD-AFC4-6F175D3DCCD1}">
+              <a14:hiddenFill xmlns:a14="http://schemas.microsoft.com/office/drawing/2010/main">
+                <a:solidFill>
+                  <a:srgbClr val="FFFFFF"/>
+                </a:solidFill>
+              </a14:hiddenFill>
+            </a:ext>
+          </a:extLst>
+        </p:spPr>
+        <p:txBody>
+          <a:bodyPr vert="horz" wrap="square" lIns="91440" tIns="45720" rIns="91440" bIns="45720" numCol="1" anchor="t" anchorCtr="0" compatLnSpc="1">
+            <a:prstTxWarp prst="textNoShape">
+              <a:avLst/>
+            </a:prstTxWarp>
+          </a:bodyPr>
+          <a:lstStyle/>
+          <a:p>
+            <a:endParaRPr lang="en-US"/>
+          </a:p>
+        </p:txBody>
+      </p:sp>
       <p:pic>
         <p:nvPicPr>
-          <p:cNvPr id="301" name="Graphic 300">
-            <a:extLst>
-              <a:ext uri="{FF2B5EF4-FFF2-40B4-BE49-F238E27FC236}">
-                <a16:creationId xmlns:a16="http://schemas.microsoft.com/office/drawing/2014/main" id="{3A04520B-E3AD-ED5A-E114-C87BE224895E}"/>
+          <p:cNvPr id="3" name="Picture 2">
+            <a:extLst>
+              <a:ext uri="{FF2B5EF4-FFF2-40B4-BE49-F238E27FC236}">
+                <a16:creationId xmlns:a16="http://schemas.microsoft.com/office/drawing/2014/main" id="{2EF99B4B-8D50-419F-DF03-FEADB8C758FD}"/>
               </a:ext>
             </a:extLst>
           </p:cNvPr>
@@ -4850,21 +5204,15 @@
           <p:nvPr/>
         </p:nvPicPr>
         <p:blipFill>
-          <a:blip r:embed="rId2">
-            <a:extLst>
-              <a:ext uri="{96DAC541-7B7A-43D3-8B79-37D633B846F1}">
-                <asvg:svgBlip xmlns:asvg="http://schemas.microsoft.com/office/drawing/2016/SVG/main" r:embed="rId3"/>
-              </a:ext>
-            </a:extLst>
-          </a:blip>
+          <a:blip r:embed="rId2"/>
           <a:stretch>
             <a:fillRect/>
           </a:stretch>
         </p:blipFill>
         <p:spPr>
           <a:xfrm>
-            <a:off x="3251200" y="1105565"/>
-            <a:ext cx="5900737" cy="5029487"/>
+            <a:off x="3197385" y="0"/>
+            <a:ext cx="5797230" cy="6858000"/>
           </a:xfrm>
           <a:prstGeom prst="rect">
             <a:avLst/>
@@ -4874,7 +5222,7 @@
     </p:spTree>
     <p:extLst>
       <p:ext uri="{BB962C8B-B14F-4D97-AF65-F5344CB8AC3E}">
-        <p14:creationId xmlns:p14="http://schemas.microsoft.com/office/powerpoint/2010/main" val="264309138"/>
+        <p14:creationId xmlns:p14="http://schemas.microsoft.com/office/powerpoint/2010/main" val="25341897"/>
       </p:ext>
     </p:extLst>
   </p:cSld>
@@ -4901,12 +5249,57 @@
           <a:chExt cx="0" cy="0"/>
         </a:xfrm>
       </p:grpSpPr>
+      <p:sp>
+        <p:nvSpPr>
+          <p:cNvPr id="2" name="AutoShape 2">
+            <a:extLst>
+              <a:ext uri="{FF2B5EF4-FFF2-40B4-BE49-F238E27FC236}">
+                <a16:creationId xmlns:a16="http://schemas.microsoft.com/office/drawing/2014/main" id="{7FC0ECD4-D471-C89F-B607-B2A29D1A5FED}"/>
+              </a:ext>
+            </a:extLst>
+          </p:cNvPr>
+          <p:cNvSpPr>
+            <a:spLocks noChangeAspect="1" noChangeArrowheads="1"/>
+          </p:cNvSpPr>
+          <p:nvPr/>
+        </p:nvSpPr>
+        <p:spPr bwMode="auto">
+          <a:xfrm>
+            <a:off x="5943600" y="3276600"/>
+            <a:ext cx="304800" cy="304800"/>
+          </a:xfrm>
+          <a:prstGeom prst="rect">
+            <a:avLst/>
+          </a:prstGeom>
+          <a:noFill/>
+          <a:extLst>
+            <a:ext uri="{909E8E84-426E-40DD-AFC4-6F175D3DCCD1}">
+              <a14:hiddenFill xmlns:a14="http://schemas.microsoft.com/office/drawing/2010/main">
+                <a:solidFill>
+                  <a:srgbClr val="FFFFFF"/>
+                </a:solidFill>
+              </a14:hiddenFill>
+            </a:ext>
+          </a:extLst>
+        </p:spPr>
+        <p:txBody>
+          <a:bodyPr vert="horz" wrap="square" lIns="91440" tIns="45720" rIns="91440" bIns="45720" numCol="1" anchor="t" anchorCtr="0" compatLnSpc="1">
+            <a:prstTxWarp prst="textNoShape">
+              <a:avLst/>
+            </a:prstTxWarp>
+          </a:bodyPr>
+          <a:lstStyle/>
+          <a:p>
+            <a:endParaRPr lang="en-US"/>
+          </a:p>
+        </p:txBody>
+      </p:sp>
       <p:pic>
         <p:nvPicPr>
           <p:cNvPr id="3" name="Picture 2">
             <a:extLst>
               <a:ext uri="{FF2B5EF4-FFF2-40B4-BE49-F238E27FC236}">
-                <a16:creationId xmlns:a16="http://schemas.microsoft.com/office/drawing/2014/main" id="{79972D0F-24EA-CA63-B53B-CB375AFAC293}"/>
+                <a16:creationId xmlns:a16="http://schemas.microsoft.com/office/drawing/2014/main" id="{BB1075A5-673F-7FD9-402A-C0BE134E19C5}"/>
               </a:ext>
             </a:extLst>
           </p:cNvPr>
@@ -4923,8 +5316,8 @@
         </p:blipFill>
         <p:spPr>
           <a:xfrm>
-            <a:off x="438150" y="885825"/>
-            <a:ext cx="11315700" cy="5086350"/>
+            <a:off x="3197385" y="0"/>
+            <a:ext cx="5797230" cy="6858000"/>
           </a:xfrm>
           <a:prstGeom prst="rect">
             <a:avLst/>
@@ -4934,7 +5327,7 @@
     </p:spTree>
     <p:extLst>
       <p:ext uri="{BB962C8B-B14F-4D97-AF65-F5344CB8AC3E}">
-        <p14:creationId xmlns:p14="http://schemas.microsoft.com/office/powerpoint/2010/main" val="1019340367"/>
+        <p14:creationId xmlns:p14="http://schemas.microsoft.com/office/powerpoint/2010/main" val="1574552173"/>
       </p:ext>
     </p:extLst>
   </p:cSld>
@@ -4961,47 +5354,12 @@
           <a:chExt cx="0" cy="0"/>
         </a:xfrm>
       </p:grpSpPr>
-      <p:sp>
-        <p:nvSpPr>
-          <p:cNvPr id="2" name="TextBox 1">
-            <a:extLst>
-              <a:ext uri="{FF2B5EF4-FFF2-40B4-BE49-F238E27FC236}">
-                <a16:creationId xmlns:a16="http://schemas.microsoft.com/office/drawing/2014/main" id="{83A5378E-A7A7-64AB-423A-B04536FE285A}"/>
-              </a:ext>
-            </a:extLst>
-          </p:cNvPr>
-          <p:cNvSpPr txBox="1"/>
-          <p:nvPr/>
-        </p:nvSpPr>
-        <p:spPr>
-          <a:xfrm>
-            <a:off x="0" y="0"/>
-            <a:ext cx="3918893" cy="369332"/>
-          </a:xfrm>
-          <a:prstGeom prst="rect">
-            <a:avLst/>
-          </a:prstGeom>
-          <a:noFill/>
-        </p:spPr>
-        <p:txBody>
-          <a:bodyPr wrap="none" rtlCol="0">
-            <a:spAutoFit/>
-          </a:bodyPr>
-          <a:lstStyle/>
-          <a:p>
-            <a:r>
-              <a:rPr lang="en-US" dirty="0"/>
-              <a:t>Reversal performance for Sham only.</a:t>
-            </a:r>
-          </a:p>
-        </p:txBody>
-      </p:sp>
       <p:pic>
         <p:nvPicPr>
-          <p:cNvPr id="4" name="Picture 3">
-            <a:extLst>
-              <a:ext uri="{FF2B5EF4-FFF2-40B4-BE49-F238E27FC236}">
-                <a16:creationId xmlns:a16="http://schemas.microsoft.com/office/drawing/2014/main" id="{B615671B-A4AD-523E-42ED-086D75D2298E}"/>
+          <p:cNvPr id="3" name="Picture 2">
+            <a:extLst>
+              <a:ext uri="{FF2B5EF4-FFF2-40B4-BE49-F238E27FC236}">
+                <a16:creationId xmlns:a16="http://schemas.microsoft.com/office/drawing/2014/main" id="{DAB97E46-AB53-9E56-85E6-93701264A004}"/>
               </a:ext>
             </a:extLst>
           </p:cNvPr>
@@ -5018,8 +5376,8 @@
         </p:blipFill>
         <p:spPr>
           <a:xfrm>
-            <a:off x="438150" y="885825"/>
-            <a:ext cx="11315700" cy="5086350"/>
+            <a:off x="2399211" y="0"/>
+            <a:ext cx="7393577" cy="6858000"/>
           </a:xfrm>
           <a:prstGeom prst="rect">
             <a:avLst/>
@@ -5029,7 +5387,7 @@
     </p:spTree>
     <p:extLst>
       <p:ext uri="{BB962C8B-B14F-4D97-AF65-F5344CB8AC3E}">
-        <p14:creationId xmlns:p14="http://schemas.microsoft.com/office/powerpoint/2010/main" val="540378374"/>
+        <p14:creationId xmlns:p14="http://schemas.microsoft.com/office/powerpoint/2010/main" val="2171214650"/>
       </p:ext>
     </p:extLst>
   </p:cSld>

--- a/MWM/R_cowen/Q1_Does_OVX_affect_MWM_performance.pptx
+++ b/MWM/R_cowen/Q1_Does_OVX_affect_MWM_performance.pptx
@@ -5038,12 +5038,111 @@
           </a:p>
         </p:txBody>
       </p:sp>
+      <p:sp>
+        <p:nvSpPr>
+          <p:cNvPr id="4" name="TextBox 3">
+            <a:extLst>
+              <a:ext uri="{FF2B5EF4-FFF2-40B4-BE49-F238E27FC236}">
+                <a16:creationId xmlns:a16="http://schemas.microsoft.com/office/drawing/2014/main" id="{C17D6F31-1FFE-3C1C-2CE9-12DFE97055E4}"/>
+              </a:ext>
+            </a:extLst>
+          </p:cNvPr>
+          <p:cNvSpPr txBox="1"/>
+          <p:nvPr/>
+        </p:nvSpPr>
+        <p:spPr>
+          <a:xfrm>
+            <a:off x="1340804" y="1594170"/>
+            <a:ext cx="1814569" cy="2862322"/>
+          </a:xfrm>
+          <a:prstGeom prst="rect">
+            <a:avLst/>
+          </a:prstGeom>
+          <a:noFill/>
+        </p:spPr>
+        <p:txBody>
+          <a:bodyPr wrap="square" rtlCol="0">
+            <a:spAutoFit/>
+          </a:bodyPr>
+          <a:lstStyle/>
+          <a:p>
+            <a:r>
+              <a:rPr lang="en-US" dirty="0"/>
+              <a:t>Time in the SOUTH quadrant  (goal </a:t>
+            </a:r>
+            <a:r>
+              <a:rPr lang="en-US"/>
+              <a:t>for days 1-4) minus </a:t>
+            </a:r>
+            <a:r>
+              <a:rPr lang="en-US" dirty="0"/>
+              <a:t>time in the </a:t>
+            </a:r>
+            <a:r>
+              <a:rPr lang="en-US"/>
+              <a:t>NORTH (goal days &gt; 4).</a:t>
+            </a:r>
+            <a:endParaRPr lang="en-US" dirty="0"/>
+          </a:p>
+          <a:p>
+            <a:r>
+              <a:rPr lang="en-US" dirty="0"/>
+              <a:t>Nice effect on day 9 across training. </a:t>
+            </a:r>
+          </a:p>
+        </p:txBody>
+      </p:sp>
+      <p:sp>
+        <p:nvSpPr>
+          <p:cNvPr id="5" name="AutoShape 2">
+            <a:extLst>
+              <a:ext uri="{FF2B5EF4-FFF2-40B4-BE49-F238E27FC236}">
+                <a16:creationId xmlns:a16="http://schemas.microsoft.com/office/drawing/2014/main" id="{BDCD1C8D-45F7-4C1F-179C-0917CFFB9608}"/>
+              </a:ext>
+            </a:extLst>
+          </p:cNvPr>
+          <p:cNvSpPr>
+            <a:spLocks noChangeAspect="1" noChangeArrowheads="1"/>
+          </p:cNvSpPr>
+          <p:nvPr/>
+        </p:nvSpPr>
+        <p:spPr bwMode="auto">
+          <a:xfrm>
+            <a:off x="6096000" y="3429000"/>
+            <a:ext cx="304800" cy="304800"/>
+          </a:xfrm>
+          <a:prstGeom prst="rect">
+            <a:avLst/>
+          </a:prstGeom>
+          <a:noFill/>
+          <a:extLst>
+            <a:ext uri="{909E8E84-426E-40DD-AFC4-6F175D3DCCD1}">
+              <a14:hiddenFill xmlns:a14="http://schemas.microsoft.com/office/drawing/2010/main">
+                <a:solidFill>
+                  <a:srgbClr val="FFFFFF"/>
+                </a:solidFill>
+              </a14:hiddenFill>
+            </a:ext>
+          </a:extLst>
+        </p:spPr>
+        <p:txBody>
+          <a:bodyPr vert="horz" wrap="square" lIns="91440" tIns="45720" rIns="91440" bIns="45720" numCol="1" anchor="t" anchorCtr="0" compatLnSpc="1">
+            <a:prstTxWarp prst="textNoShape">
+              <a:avLst/>
+            </a:prstTxWarp>
+          </a:bodyPr>
+          <a:lstStyle/>
+          <a:p>
+            <a:endParaRPr lang="en-US"/>
+          </a:p>
+        </p:txBody>
+      </p:sp>
       <p:pic>
         <p:nvPicPr>
-          <p:cNvPr id="3" name="Picture 2">
-            <a:extLst>
-              <a:ext uri="{FF2B5EF4-FFF2-40B4-BE49-F238E27FC236}">
-                <a16:creationId xmlns:a16="http://schemas.microsoft.com/office/drawing/2014/main" id="{B3C92D9A-412B-EC97-E51C-001C1BE9540C}"/>
+          <p:cNvPr id="6" name="Picture 5">
+            <a:extLst>
+              <a:ext uri="{FF2B5EF4-FFF2-40B4-BE49-F238E27FC236}">
+                <a16:creationId xmlns:a16="http://schemas.microsoft.com/office/drawing/2014/main" id="{AFFEA6CA-D28E-A2E5-33B1-473137D83D9E}"/>
               </a:ext>
             </a:extLst>
           </p:cNvPr>
@@ -5060,60 +5159,14 @@
         </p:blipFill>
         <p:spPr>
           <a:xfrm>
-            <a:off x="2141966" y="1569060"/>
-            <a:ext cx="7603267" cy="5014145"/>
+            <a:off x="3969327" y="0"/>
+            <a:ext cx="6350587" cy="6858000"/>
           </a:xfrm>
           <a:prstGeom prst="rect">
             <a:avLst/>
           </a:prstGeom>
         </p:spPr>
       </p:pic>
-      <p:sp>
-        <p:nvSpPr>
-          <p:cNvPr id="4" name="TextBox 3">
-            <a:extLst>
-              <a:ext uri="{FF2B5EF4-FFF2-40B4-BE49-F238E27FC236}">
-                <a16:creationId xmlns:a16="http://schemas.microsoft.com/office/drawing/2014/main" id="{C17D6F31-1FFE-3C1C-2CE9-12DFE97055E4}"/>
-              </a:ext>
-            </a:extLst>
-          </p:cNvPr>
-          <p:cNvSpPr txBox="1"/>
-          <p:nvPr/>
-        </p:nvSpPr>
-        <p:spPr>
-          <a:xfrm>
-            <a:off x="3169604" y="492734"/>
-            <a:ext cx="5654048" cy="646331"/>
-          </a:xfrm>
-          <a:prstGeom prst="rect">
-            <a:avLst/>
-          </a:prstGeom>
-          <a:noFill/>
-        </p:spPr>
-        <p:txBody>
-          <a:bodyPr wrap="none" rtlCol="0">
-            <a:spAutoFit/>
-          </a:bodyPr>
-          <a:lstStyle/>
-          <a:p>
-            <a:r>
-              <a:rPr lang="en-US" dirty="0"/>
-              <a:t>Time in the SOUTH quadrant minus time in the NORTH .</a:t>
-            </a:r>
-          </a:p>
-          <a:p>
-            <a:r>
-              <a:rPr lang="en-US" dirty="0"/>
-              <a:t>Nice effect on day 9 across training</a:t>
-            </a:r>
-            <a:r>
-              <a:rPr lang="en-US"/>
-              <a:t>. </a:t>
-            </a:r>
-            <a:endParaRPr lang="en-US" dirty="0"/>
-          </a:p>
-        </p:txBody>
-      </p:sp>
     </p:spTree>
     <p:extLst>
       <p:ext uri="{BB962C8B-B14F-4D97-AF65-F5344CB8AC3E}">

--- a/MWM/R_cowen/Q1_Does_OVX_affect_MWM_performance.pptx
+++ b/MWM/R_cowen/Q1_Does_OVX_affect_MWM_performance.pptx
@@ -336,7 +336,7 @@
           <a:p>
             <a:fld id="{61DE641F-8AD3-4A50-883F-008F33A9F2CB}" type="datetimeFigureOut">
               <a:rPr lang="en-US" smtClean="0"/>
-              <a:t>3/4/2025</a:t>
+              <a:t>3/6/2025</a:t>
             </a:fld>
             <a:endParaRPr lang="en-US"/>
           </a:p>
@@ -534,7 +534,7 @@
           <a:p>
             <a:fld id="{61DE641F-8AD3-4A50-883F-008F33A9F2CB}" type="datetimeFigureOut">
               <a:rPr lang="en-US" smtClean="0"/>
-              <a:t>3/4/2025</a:t>
+              <a:t>3/6/2025</a:t>
             </a:fld>
             <a:endParaRPr lang="en-US"/>
           </a:p>
@@ -742,7 +742,7 @@
           <a:p>
             <a:fld id="{61DE641F-8AD3-4A50-883F-008F33A9F2CB}" type="datetimeFigureOut">
               <a:rPr lang="en-US" smtClean="0"/>
-              <a:t>3/4/2025</a:t>
+              <a:t>3/6/2025</a:t>
             </a:fld>
             <a:endParaRPr lang="en-US"/>
           </a:p>
@@ -940,7 +940,7 @@
           <a:p>
             <a:fld id="{61DE641F-8AD3-4A50-883F-008F33A9F2CB}" type="datetimeFigureOut">
               <a:rPr lang="en-US" smtClean="0"/>
-              <a:t>3/4/2025</a:t>
+              <a:t>3/6/2025</a:t>
             </a:fld>
             <a:endParaRPr lang="en-US"/>
           </a:p>
@@ -1215,7 +1215,7 @@
           <a:p>
             <a:fld id="{61DE641F-8AD3-4A50-883F-008F33A9F2CB}" type="datetimeFigureOut">
               <a:rPr lang="en-US" smtClean="0"/>
-              <a:t>3/4/2025</a:t>
+              <a:t>3/6/2025</a:t>
             </a:fld>
             <a:endParaRPr lang="en-US"/>
           </a:p>
@@ -1480,7 +1480,7 @@
           <a:p>
             <a:fld id="{61DE641F-8AD3-4A50-883F-008F33A9F2CB}" type="datetimeFigureOut">
               <a:rPr lang="en-US" smtClean="0"/>
-              <a:t>3/4/2025</a:t>
+              <a:t>3/6/2025</a:t>
             </a:fld>
             <a:endParaRPr lang="en-US"/>
           </a:p>
@@ -1892,7 +1892,7 @@
           <a:p>
             <a:fld id="{61DE641F-8AD3-4A50-883F-008F33A9F2CB}" type="datetimeFigureOut">
               <a:rPr lang="en-US" smtClean="0"/>
-              <a:t>3/4/2025</a:t>
+              <a:t>3/6/2025</a:t>
             </a:fld>
             <a:endParaRPr lang="en-US"/>
           </a:p>
@@ -2033,7 +2033,7 @@
           <a:p>
             <a:fld id="{61DE641F-8AD3-4A50-883F-008F33A9F2CB}" type="datetimeFigureOut">
               <a:rPr lang="en-US" smtClean="0"/>
-              <a:t>3/4/2025</a:t>
+              <a:t>3/6/2025</a:t>
             </a:fld>
             <a:endParaRPr lang="en-US"/>
           </a:p>
@@ -2146,7 +2146,7 @@
           <a:p>
             <a:fld id="{61DE641F-8AD3-4A50-883F-008F33A9F2CB}" type="datetimeFigureOut">
               <a:rPr lang="en-US" smtClean="0"/>
-              <a:t>3/4/2025</a:t>
+              <a:t>3/6/2025</a:t>
             </a:fld>
             <a:endParaRPr lang="en-US"/>
           </a:p>
@@ -2457,7 +2457,7 @@
           <a:p>
             <a:fld id="{61DE641F-8AD3-4A50-883F-008F33A9F2CB}" type="datetimeFigureOut">
               <a:rPr lang="en-US" smtClean="0"/>
-              <a:t>3/4/2025</a:t>
+              <a:t>3/6/2025</a:t>
             </a:fld>
             <a:endParaRPr lang="en-US"/>
           </a:p>
@@ -2745,7 +2745,7 @@
           <a:p>
             <a:fld id="{61DE641F-8AD3-4A50-883F-008F33A9F2CB}" type="datetimeFigureOut">
               <a:rPr lang="en-US" smtClean="0"/>
-              <a:t>3/4/2025</a:t>
+              <a:t>3/6/2025</a:t>
             </a:fld>
             <a:endParaRPr lang="en-US"/>
           </a:p>
@@ -2986,7 +2986,7 @@
           <a:p>
             <a:fld id="{61DE641F-8AD3-4A50-883F-008F33A9F2CB}" type="datetimeFigureOut">
               <a:rPr lang="en-US" smtClean="0"/>
-              <a:t>3/4/2025</a:t>
+              <a:t>3/6/2025</a:t>
             </a:fld>
             <a:endParaRPr lang="en-US"/>
           </a:p>
